--- a/module 6/Module-06-Slides.pptx
+++ b/module 6/Module-06-Slides.pptx
@@ -4,37 +4,40 @@
   <p:sldMasterIdLst>
     <p:sldMasterId id="2147483648" r:id="rId1"/>
   </p:sldMasterIdLst>
+  <p:notesMasterIdLst>
+    <p:notesMasterId r:id="rId30"/>
+  </p:notesMasterIdLst>
   <p:sldIdLst>
-    <p:sldId id="256" r:id="rId7"/>
-    <p:sldId id="257" r:id="rId9"/>
-    <p:sldId id="258" r:id="rId10"/>
-    <p:sldId id="259" r:id="rId11"/>
-    <p:sldId id="260" r:id="rId12"/>
-    <p:sldId id="261" r:id="rId13"/>
-    <p:sldId id="262" r:id="rId14"/>
-    <p:sldId id="263" r:id="rId15"/>
-    <p:sldId id="264" r:id="rId16"/>
-    <p:sldId id="265" r:id="rId17"/>
-    <p:sldId id="266" r:id="rId18"/>
-    <p:sldId id="267" r:id="rId19"/>
-    <p:sldId id="268" r:id="rId20"/>
-    <p:sldId id="269" r:id="rId21"/>
-    <p:sldId id="270" r:id="rId22"/>
-    <p:sldId id="271" r:id="rId23"/>
-    <p:sldId id="272" r:id="rId24"/>
-    <p:sldId id="273" r:id="rId25"/>
-    <p:sldId id="274" r:id="rId26"/>
-    <p:sldId id="275" r:id="rId27"/>
-    <p:sldId id="276" r:id="rId28"/>
-    <p:sldId id="277" r:id="rId29"/>
-    <p:sldId id="278" r:id="rId30"/>
-    <p:sldId id="279" r:id="rId31"/>
-    <p:sldId id="280" r:id="rId32"/>
-    <p:sldId id="281" r:id="rId33"/>
-    <p:sldId id="282" r:id="rId34"/>
-    <p:sldId id="283" r:id="rId35"/>
+    <p:sldId id="256" r:id="rId2"/>
+    <p:sldId id="257" r:id="rId3"/>
+    <p:sldId id="258" r:id="rId4"/>
+    <p:sldId id="259" r:id="rId5"/>
+    <p:sldId id="260" r:id="rId6"/>
+    <p:sldId id="261" r:id="rId7"/>
+    <p:sldId id="262" r:id="rId8"/>
+    <p:sldId id="263" r:id="rId9"/>
+    <p:sldId id="264" r:id="rId10"/>
+    <p:sldId id="265" r:id="rId11"/>
+    <p:sldId id="266" r:id="rId12"/>
+    <p:sldId id="267" r:id="rId13"/>
+    <p:sldId id="268" r:id="rId14"/>
+    <p:sldId id="269" r:id="rId15"/>
+    <p:sldId id="270" r:id="rId16"/>
+    <p:sldId id="271" r:id="rId17"/>
+    <p:sldId id="272" r:id="rId18"/>
+    <p:sldId id="273" r:id="rId19"/>
+    <p:sldId id="274" r:id="rId20"/>
+    <p:sldId id="275" r:id="rId21"/>
+    <p:sldId id="276" r:id="rId22"/>
+    <p:sldId id="277" r:id="rId23"/>
+    <p:sldId id="278" r:id="rId24"/>
+    <p:sldId id="279" r:id="rId25"/>
+    <p:sldId id="280" r:id="rId26"/>
+    <p:sldId id="281" r:id="rId27"/>
+    <p:sldId id="282" r:id="rId28"/>
+    <p:sldId id="283" r:id="rId29"/>
   </p:sldIdLst>
-  <p:sldSz cx="12191695" cy="6858000" type="screen4x3"/>
+  <p:sldSz cx="12192000" cy="6858000"/>
   <p:notesSz cx="6858000" cy="9144000"/>
   <p:defaultTextStyle>
     <a:defPPr>
@@ -131,11 +134,27 @@
       </a:defRPr>
     </a:lvl9pPr>
   </p:defaultTextStyle>
+  <p:extLst>
+    <p:ext uri="{EFAFB233-063F-42B5-8137-9DF3F51BA10A}">
+      <p15:sldGuideLst xmlns:p15="http://schemas.microsoft.com/office/powerpoint/2012/main">
+        <p15:guide id="1" orient="horz" pos="2160">
+          <p15:clr>
+            <a:srgbClr val="A4A3A4"/>
+          </p15:clr>
+        </p15:guide>
+        <p15:guide id="2" pos="2880">
+          <p15:clr>
+            <a:srgbClr val="A4A3A4"/>
+          </p15:clr>
+        </p15:guide>
+      </p15:sldGuideLst>
+    </p:ext>
+  </p:extLst>
 </p:presentation>
 </file>
 
 <file path=ppt/notesMasters/notesMaster1.xml><?xml version="1.0" encoding="utf-8"?>
-<p:notesMaster xmlns:a="http://schemas.openxmlformats.org/drawingml/2006/main" xmlns:p="http://schemas.openxmlformats.org/presentationml/2006/main" xmlns:r="http://schemas.openxmlformats.org/officeDocument/2006/relationships">
+<p:notesMaster xmlns:a="http://schemas.openxmlformats.org/drawingml/2006/main" xmlns:r="http://schemas.openxmlformats.org/officeDocument/2006/relationships" xmlns:p="http://schemas.openxmlformats.org/presentationml/2006/main">
   <p:cSld>
     <p:bg>
       <p:bgRef idx="1001">
@@ -156,241 +175,16 @@
           <a:chExt cx="0" cy="0"/>
         </a:xfrm>
       </p:grpSpPr>
-      <p:sp>
-        <p:nvSpPr>
-          <p:cNvPr id="2" name="Header Placeholder 1"/>
-          <p:cNvSpPr>
-            <a:spLocks noGrp="1"/>
-          </p:cNvSpPr>
-          <p:nvPr>
-            <p:ph type="hdr" sz="quarter"/>
-          </p:nvPr>
-        </p:nvSpPr>
-        <p:spPr>
-          <a:xfrm>
-            <a:off x="0" y="0"/>
-            <a:ext cx="2971800" cy="457200"/>
-          </a:xfrm>
-          <a:prstGeom prst="rect">
-            <a:avLst/>
-          </a:prstGeom>
-        </p:spPr>
-        <p:txBody>
-          <a:bodyPr vert="horz" lIns="91440" tIns="45720" rIns="91440" bIns="45720" rtlCol="0"/>
-          <a:lstStyle>
-            <a:lvl1pPr algn="l">
-              <a:defRPr sz="1200"/>
-            </a:lvl1pPr>
-          </a:lstStyle>
-          <a:p>
-            <a:endParaRPr lang="en-US"/>
-          </a:p>
-        </p:txBody>
-      </p:sp>
-      <p:sp>
-        <p:nvSpPr>
-          <p:cNvPr id="3" name="Date Placeholder 2"/>
-          <p:cNvSpPr>
-            <a:spLocks noGrp="1"/>
-          </p:cNvSpPr>
-          <p:nvPr>
-            <p:ph type="dt" idx="1"/>
-          </p:nvPr>
-        </p:nvSpPr>
-        <p:spPr>
-          <a:xfrm>
-            <a:off x="3884613" y="0"/>
-            <a:ext cx="2971800" cy="457200"/>
-          </a:xfrm>
-          <a:prstGeom prst="rect">
-            <a:avLst/>
-          </a:prstGeom>
-        </p:spPr>
-        <p:txBody>
-          <a:bodyPr vert="horz" lIns="91440" tIns="45720" rIns="91440" bIns="45720" rtlCol="0"/>
-          <a:lstStyle>
-            <a:lvl1pPr algn="r">
-              <a:defRPr sz="1200"/>
-            </a:lvl1pPr>
-          </a:lstStyle>
-          <a:p>
-            <a:fld id="{0F89C1C7-3DCD-1040-A9CF-14679D8B5DDD}" type="datetimeFigureOut">
-              <a:rPr lang="en-US" smtClean="0"/>
-              <a:t>10/17/16</a:t>
-            </a:fld>
-            <a:endParaRPr lang="en-US"/>
-          </a:p>
-        </p:txBody>
-      </p:sp>
-      <p:sp>
-        <p:nvSpPr>
-          <p:cNvPr id="4" name="Slide Image Placeholder 3"/>
-          <p:cNvSpPr>
-            <a:spLocks noGrp="1" noRot="1" noChangeAspect="1"/>
-          </p:cNvSpPr>
-          <p:nvPr>
-            <p:ph type="sldImg" idx="2"/>
-          </p:nvPr>
-        </p:nvSpPr>
-        <p:spPr>
-          <a:xfrm>
-            <a:off x="1143000" y="685800"/>
-            <a:ext cx="4572000" cy="3429000"/>
-          </a:xfrm>
-          <a:prstGeom prst="rect">
-            <a:avLst/>
-          </a:prstGeom>
-          <a:noFill/>
-          <a:ln w="12700">
-            <a:solidFill>
-              <a:prstClr val="black"/>
-            </a:solidFill>
-          </a:ln>
-        </p:spPr>
-        <p:txBody>
-          <a:bodyPr vert="horz" lIns="91440" tIns="45720" rIns="91440" bIns="45720" rtlCol="0" anchor="ctr"/>
-          <a:lstStyle/>
-          <a:p>
-            <a:endParaRPr lang="en-US"/>
-          </a:p>
-        </p:txBody>
-      </p:sp>
-      <p:sp>
-        <p:nvSpPr>
-          <p:cNvPr id="5" name="Notes Placeholder 4"/>
-          <p:cNvSpPr>
-            <a:spLocks noGrp="1"/>
-          </p:cNvSpPr>
-          <p:nvPr>
-            <p:ph type="body" sz="quarter" idx="3"/>
-          </p:nvPr>
-        </p:nvSpPr>
-        <p:spPr>
-          <a:xfrm>
-            <a:off x="685800" y="4343400"/>
-            <a:ext cx="5486400" cy="4114800"/>
-          </a:xfrm>
-          <a:prstGeom prst="rect">
-            <a:avLst/>
-          </a:prstGeom>
-        </p:spPr>
-        <p:txBody>
-          <a:bodyPr vert="horz" lIns="91440" tIns="45720" rIns="91440" bIns="45720" rtlCol="0"/>
-          <a:lstStyle/>
-          <a:p>
-            <a:pPr lvl="0"/>
-            <a:r>
-              <a:rPr lang="en-US" smtClean="0"/>
-              <a:t>Click to edit Master text styles</a:t>
-            </a:r>
-          </a:p>
-          <a:p>
-            <a:pPr lvl="1"/>
-            <a:r>
-              <a:rPr lang="en-US" smtClean="0"/>
-              <a:t>Second level</a:t>
-            </a:r>
-          </a:p>
-          <a:p>
-            <a:pPr lvl="2"/>
-            <a:r>
-              <a:rPr lang="en-US" smtClean="0"/>
-              <a:t>Third level</a:t>
-            </a:r>
-          </a:p>
-          <a:p>
-            <a:pPr lvl="3"/>
-            <a:r>
-              <a:rPr lang="en-US" smtClean="0"/>
-              <a:t>Fourth level</a:t>
-            </a:r>
-          </a:p>
-          <a:p>
-            <a:pPr lvl="4"/>
-            <a:r>
-              <a:rPr lang="en-US" smtClean="0"/>
-              <a:t>Fifth level</a:t>
-            </a:r>
-            <a:endParaRPr lang="en-US"/>
-          </a:p>
-        </p:txBody>
-      </p:sp>
-      <p:sp>
-        <p:nvSpPr>
-          <p:cNvPr id="6" name="Footer Placeholder 5"/>
-          <p:cNvSpPr>
-            <a:spLocks noGrp="1"/>
-          </p:cNvSpPr>
-          <p:nvPr>
-            <p:ph type="ftr" sz="quarter" idx="4"/>
-          </p:nvPr>
-        </p:nvSpPr>
-        <p:spPr>
-          <a:xfrm>
-            <a:off x="0" y="8685213"/>
-            <a:ext cx="2971800" cy="457200"/>
-          </a:xfrm>
-          <a:prstGeom prst="rect">
-            <a:avLst/>
-          </a:prstGeom>
-        </p:spPr>
-        <p:txBody>
-          <a:bodyPr vert="horz" lIns="91440" tIns="45720" rIns="91440" bIns="45720" rtlCol="0" anchor="b"/>
-          <a:lstStyle>
-            <a:lvl1pPr algn="l">
-              <a:defRPr sz="1200"/>
-            </a:lvl1pPr>
-          </a:lstStyle>
-          <a:p>
-            <a:endParaRPr lang="en-US"/>
-          </a:p>
-        </p:txBody>
-      </p:sp>
-      <p:sp>
-        <p:nvSpPr>
-          <p:cNvPr id="7" name="Slide Number Placeholder 6"/>
-          <p:cNvSpPr>
-            <a:spLocks noGrp="1"/>
-          </p:cNvSpPr>
-          <p:nvPr>
-            <p:ph type="sldNum" sz="quarter" idx="5"/>
-          </p:nvPr>
-        </p:nvSpPr>
-        <p:spPr>
-          <a:xfrm>
-            <a:off x="3884613" y="8685213"/>
-            <a:ext cx="2971800" cy="457200"/>
-          </a:xfrm>
-          <a:prstGeom prst="rect">
-            <a:avLst/>
-          </a:prstGeom>
-        </p:spPr>
-        <p:txBody>
-          <a:bodyPr vert="horz" lIns="91440" tIns="45720" rIns="91440" bIns="45720" rtlCol="0" anchor="b"/>
-          <a:lstStyle>
-            <a:lvl1pPr algn="r">
-              <a:defRPr sz="1200"/>
-            </a:lvl1pPr>
-          </a:lstStyle>
-          <a:p>
-            <a:fld id="{BB5E49A5-4136-284D-997B-48E1D791AD67}" type="slidenum">
-              <a:rPr lang="en-US" smtClean="0"/>
-              <a:t>‹#›</a:t>
-            </a:fld>
-            <a:endParaRPr lang="en-US"/>
-          </a:p>
-        </p:txBody>
-      </p:sp>
     </p:spTree>
     <p:extLst>
       <p:ext uri="{BB962C8B-B14F-4D97-AF65-F5344CB8AC3E}">
-        <p14:creationId xmlns:p14="http://schemas.microsoft.com/office/powerpoint/2010/main" val="2623252185"/>
+        <p14:creationId xmlns:p14="http://schemas.microsoft.com/office/powerpoint/2010/main" val="2599646379"/>
       </p:ext>
     </p:extLst>
   </p:cSld>
   <p:clrMap bg1="lt1" tx1="dk1" bg2="lt2" tx2="dk2" accent1="accent1" accent2="accent2" accent3="accent3" accent4="accent4" accent5="accent5" accent6="accent6" hlink="hlink" folHlink="folHlink"/>
   <p:notesStyle>
-    <a:lvl1pPr marL="0" algn="l" defTabSz="457200" rtl="0" eaLnBrk="1" latinLnBrk="0" hangingPunct="1">
+    <a:lvl1pPr marL="0" algn="l" defTabSz="914400" rtl="0" eaLnBrk="1" latinLnBrk="0" hangingPunct="1">
       <a:defRPr sz="1200" kern="1200">
         <a:solidFill>
           <a:schemeClr val="tx1"/>
@@ -400,7 +194,7 @@
         <a:cs typeface="+mn-cs"/>
       </a:defRPr>
     </a:lvl1pPr>
-    <a:lvl2pPr marL="457200" algn="l" defTabSz="457200" rtl="0" eaLnBrk="1" latinLnBrk="0" hangingPunct="1">
+    <a:lvl2pPr marL="457200" algn="l" defTabSz="914400" rtl="0" eaLnBrk="1" latinLnBrk="0" hangingPunct="1">
       <a:defRPr sz="1200" kern="1200">
         <a:solidFill>
           <a:schemeClr val="tx1"/>
@@ -410,7 +204,7 @@
         <a:cs typeface="+mn-cs"/>
       </a:defRPr>
     </a:lvl2pPr>
-    <a:lvl3pPr marL="914400" algn="l" defTabSz="457200" rtl="0" eaLnBrk="1" latinLnBrk="0" hangingPunct="1">
+    <a:lvl3pPr marL="914400" algn="l" defTabSz="914400" rtl="0" eaLnBrk="1" latinLnBrk="0" hangingPunct="1">
       <a:defRPr sz="1200" kern="1200">
         <a:solidFill>
           <a:schemeClr val="tx1"/>
@@ -420,7 +214,7 @@
         <a:cs typeface="+mn-cs"/>
       </a:defRPr>
     </a:lvl3pPr>
-    <a:lvl4pPr marL="1371600" algn="l" defTabSz="457200" rtl="0" eaLnBrk="1" latinLnBrk="0" hangingPunct="1">
+    <a:lvl4pPr marL="1371600" algn="l" defTabSz="914400" rtl="0" eaLnBrk="1" latinLnBrk="0" hangingPunct="1">
       <a:defRPr sz="1200" kern="1200">
         <a:solidFill>
           <a:schemeClr val="tx1"/>
@@ -430,7 +224,7 @@
         <a:cs typeface="+mn-cs"/>
       </a:defRPr>
     </a:lvl4pPr>
-    <a:lvl5pPr marL="1828800" algn="l" defTabSz="457200" rtl="0" eaLnBrk="1" latinLnBrk="0" hangingPunct="1">
+    <a:lvl5pPr marL="1828800" algn="l" defTabSz="914400" rtl="0" eaLnBrk="1" latinLnBrk="0" hangingPunct="1">
       <a:defRPr sz="1200" kern="1200">
         <a:solidFill>
           <a:schemeClr val="tx1"/>
@@ -440,7 +234,7 @@
         <a:cs typeface="+mn-cs"/>
       </a:defRPr>
     </a:lvl5pPr>
-    <a:lvl6pPr marL="2286000" algn="l" defTabSz="457200" rtl="0" eaLnBrk="1" latinLnBrk="0" hangingPunct="1">
+    <a:lvl6pPr marL="2286000" algn="l" defTabSz="914400" rtl="0" eaLnBrk="1" latinLnBrk="0" hangingPunct="1">
       <a:defRPr sz="1200" kern="1200">
         <a:solidFill>
           <a:schemeClr val="tx1"/>
@@ -450,7 +244,7 @@
         <a:cs typeface="+mn-cs"/>
       </a:defRPr>
     </a:lvl6pPr>
-    <a:lvl7pPr marL="2743200" algn="l" defTabSz="457200" rtl="0" eaLnBrk="1" latinLnBrk="0" hangingPunct="1">
+    <a:lvl7pPr marL="2743200" algn="l" defTabSz="914400" rtl="0" eaLnBrk="1" latinLnBrk="0" hangingPunct="1">
       <a:defRPr sz="1200" kern="1200">
         <a:solidFill>
           <a:schemeClr val="tx1"/>
@@ -460,7 +254,7 @@
         <a:cs typeface="+mn-cs"/>
       </a:defRPr>
     </a:lvl7pPr>
-    <a:lvl8pPr marL="3200400" algn="l" defTabSz="457200" rtl="0" eaLnBrk="1" latinLnBrk="0" hangingPunct="1">
+    <a:lvl8pPr marL="3200400" algn="l" defTabSz="914400" rtl="0" eaLnBrk="1" latinLnBrk="0" hangingPunct="1">
       <a:defRPr sz="1200" kern="1200">
         <a:solidFill>
           <a:schemeClr val="tx1"/>
@@ -470,7 +264,7 @@
         <a:cs typeface="+mn-cs"/>
       </a:defRPr>
     </a:lvl8pPr>
-    <a:lvl9pPr marL="3657600" algn="l" defTabSz="457200" rtl="0" eaLnBrk="1" latinLnBrk="0" hangingPunct="1">
+    <a:lvl9pPr marL="3657600" algn="l" defTabSz="914400" rtl="0" eaLnBrk="1" latinLnBrk="0" hangingPunct="1">
       <a:defRPr sz="1200" kern="1200">
         <a:solidFill>
           <a:schemeClr val="tx1"/>
@@ -485,7 +279,7 @@
 </file>
 
 <file path=ppt/notesSlides/notesSlide1.xml><?xml version="1.0" encoding="utf-8"?>
-<p:notes xmlns:a="http://schemas.openxmlformats.org/drawingml/2006/main" xmlns:p="http://schemas.openxmlformats.org/presentationml/2006/main" xmlns:r="http://schemas.openxmlformats.org/officeDocument/2006/relationships">
+<p:notes xmlns:a="http://schemas.openxmlformats.org/drawingml/2006/main" xmlns:r="http://schemas.openxmlformats.org/officeDocument/2006/relationships" xmlns:p="http://schemas.openxmlformats.org/presentationml/2006/main">
   <p:cSld>
     <p:spTree>
       <p:nvGrpSpPr>
@@ -505,7 +299,7 @@
         <p:nvSpPr>
           <p:cNvPr id="2" name="Slide Image Placeholder 1"/>
           <p:cNvSpPr>
-            <a:spLocks noGrp="1"/>
+            <a:spLocks noGrp="1" noRot="1" noChangeAspect="1"/>
           </p:cNvSpPr>
           <p:nvPr>
             <p:ph type="sldImg" idx="2"/>
@@ -520,7 +314,7 @@
             <a:spLocks noGrp="1"/>
           </p:cNvSpPr>
           <p:nvPr>
-            <p:ph type="body" idx="3" sz="quarter"/>
+            <p:ph type="body" sz="quarter" idx="3"/>
           </p:nvPr>
         </p:nvSpPr>
         <p:spPr/>
@@ -541,7 +335,7 @@
             <a:spLocks noGrp="1"/>
           </p:cNvSpPr>
           <p:nvPr>
-            <p:ph type="sldNum" idx="5" sz="quarter"/>
+            <p:ph type="sldNum" sz="quarter" idx="5"/>
           </p:nvPr>
         </p:nvSpPr>
         <p:spPr/>
@@ -555,7 +349,7 @@
 </file>
 
 <file path=ppt/notesSlides/notesSlide10.xml><?xml version="1.0" encoding="utf-8"?>
-<p:notes xmlns:a="http://schemas.openxmlformats.org/drawingml/2006/main" xmlns:p="http://schemas.openxmlformats.org/presentationml/2006/main" xmlns:r="http://schemas.openxmlformats.org/officeDocument/2006/relationships">
+<p:notes xmlns:a="http://schemas.openxmlformats.org/drawingml/2006/main" xmlns:r="http://schemas.openxmlformats.org/officeDocument/2006/relationships" xmlns:p="http://schemas.openxmlformats.org/presentationml/2006/main">
   <p:cSld>
     <p:spTree>
       <p:nvGrpSpPr>
@@ -575,7 +369,7 @@
         <p:nvSpPr>
           <p:cNvPr id="2" name="Slide Image Placeholder 1"/>
           <p:cNvSpPr>
-            <a:spLocks noGrp="1"/>
+            <a:spLocks noGrp="1" noRot="1" noChangeAspect="1"/>
           </p:cNvSpPr>
           <p:nvPr>
             <p:ph type="sldImg" idx="2"/>
@@ -590,7 +384,7 @@
             <a:spLocks noGrp="1"/>
           </p:cNvSpPr>
           <p:nvPr>
-            <p:ph type="body" idx="3" sz="quarter"/>
+            <p:ph type="body" sz="quarter" idx="3"/>
           </p:nvPr>
         </p:nvSpPr>
         <p:spPr/>
@@ -611,7 +405,7 @@
             <a:spLocks noGrp="1"/>
           </p:cNvSpPr>
           <p:nvPr>
-            <p:ph type="sldNum" idx="5" sz="quarter"/>
+            <p:ph type="sldNum" sz="quarter" idx="5"/>
           </p:nvPr>
         </p:nvSpPr>
         <p:spPr/>
@@ -625,7 +419,7 @@
 </file>
 
 <file path=ppt/notesSlides/notesSlide11.xml><?xml version="1.0" encoding="utf-8"?>
-<p:notes xmlns:a="http://schemas.openxmlformats.org/drawingml/2006/main" xmlns:p="http://schemas.openxmlformats.org/presentationml/2006/main" xmlns:r="http://schemas.openxmlformats.org/officeDocument/2006/relationships">
+<p:notes xmlns:a="http://schemas.openxmlformats.org/drawingml/2006/main" xmlns:r="http://schemas.openxmlformats.org/officeDocument/2006/relationships" xmlns:p="http://schemas.openxmlformats.org/presentationml/2006/main">
   <p:cSld>
     <p:spTree>
       <p:nvGrpSpPr>
@@ -645,7 +439,7 @@
         <p:nvSpPr>
           <p:cNvPr id="2" name="Slide Image Placeholder 1"/>
           <p:cNvSpPr>
-            <a:spLocks noGrp="1"/>
+            <a:spLocks noGrp="1" noRot="1" noChangeAspect="1"/>
           </p:cNvSpPr>
           <p:nvPr>
             <p:ph type="sldImg" idx="2"/>
@@ -660,7 +454,7 @@
             <a:spLocks noGrp="1"/>
           </p:cNvSpPr>
           <p:nvPr>
-            <p:ph type="body" idx="3" sz="quarter"/>
+            <p:ph type="body" sz="quarter" idx="3"/>
           </p:nvPr>
         </p:nvSpPr>
         <p:spPr/>
@@ -681,7 +475,7 @@
             <a:spLocks noGrp="1"/>
           </p:cNvSpPr>
           <p:nvPr>
-            <p:ph type="sldNum" idx="5" sz="quarter"/>
+            <p:ph type="sldNum" sz="quarter" idx="5"/>
           </p:nvPr>
         </p:nvSpPr>
         <p:spPr/>
@@ -695,7 +489,7 @@
 </file>
 
 <file path=ppt/notesSlides/notesSlide12.xml><?xml version="1.0" encoding="utf-8"?>
-<p:notes xmlns:a="http://schemas.openxmlformats.org/drawingml/2006/main" xmlns:p="http://schemas.openxmlformats.org/presentationml/2006/main" xmlns:r="http://schemas.openxmlformats.org/officeDocument/2006/relationships">
+<p:notes xmlns:a="http://schemas.openxmlformats.org/drawingml/2006/main" xmlns:r="http://schemas.openxmlformats.org/officeDocument/2006/relationships" xmlns:p="http://schemas.openxmlformats.org/presentationml/2006/main">
   <p:cSld>
     <p:spTree>
       <p:nvGrpSpPr>
@@ -715,7 +509,7 @@
         <p:nvSpPr>
           <p:cNvPr id="2" name="Slide Image Placeholder 1"/>
           <p:cNvSpPr>
-            <a:spLocks noGrp="1"/>
+            <a:spLocks noGrp="1" noRot="1" noChangeAspect="1"/>
           </p:cNvSpPr>
           <p:nvPr>
             <p:ph type="sldImg" idx="2"/>
@@ -730,7 +524,7 @@
             <a:spLocks noGrp="1"/>
           </p:cNvSpPr>
           <p:nvPr>
-            <p:ph type="body" idx="3" sz="quarter"/>
+            <p:ph type="body" sz="quarter" idx="3"/>
           </p:nvPr>
         </p:nvSpPr>
         <p:spPr/>
@@ -751,7 +545,7 @@
             <a:spLocks noGrp="1"/>
           </p:cNvSpPr>
           <p:nvPr>
-            <p:ph type="sldNum" idx="5" sz="quarter"/>
+            <p:ph type="sldNum" sz="quarter" idx="5"/>
           </p:nvPr>
         </p:nvSpPr>
         <p:spPr/>
@@ -765,7 +559,7 @@
 </file>
 
 <file path=ppt/notesSlides/notesSlide13.xml><?xml version="1.0" encoding="utf-8"?>
-<p:notes xmlns:a="http://schemas.openxmlformats.org/drawingml/2006/main" xmlns:p="http://schemas.openxmlformats.org/presentationml/2006/main" xmlns:r="http://schemas.openxmlformats.org/officeDocument/2006/relationships">
+<p:notes xmlns:a="http://schemas.openxmlformats.org/drawingml/2006/main" xmlns:r="http://schemas.openxmlformats.org/officeDocument/2006/relationships" xmlns:p="http://schemas.openxmlformats.org/presentationml/2006/main">
   <p:cSld>
     <p:spTree>
       <p:nvGrpSpPr>
@@ -785,7 +579,7 @@
         <p:nvSpPr>
           <p:cNvPr id="2" name="Slide Image Placeholder 1"/>
           <p:cNvSpPr>
-            <a:spLocks noGrp="1"/>
+            <a:spLocks noGrp="1" noRot="1" noChangeAspect="1"/>
           </p:cNvSpPr>
           <p:nvPr>
             <p:ph type="sldImg" idx="2"/>
@@ -800,7 +594,7 @@
             <a:spLocks noGrp="1"/>
           </p:cNvSpPr>
           <p:nvPr>
-            <p:ph type="body" idx="3" sz="quarter"/>
+            <p:ph type="body" sz="quarter" idx="3"/>
           </p:nvPr>
         </p:nvSpPr>
         <p:spPr/>
@@ -821,7 +615,7 @@
             <a:spLocks noGrp="1"/>
           </p:cNvSpPr>
           <p:nvPr>
-            <p:ph type="sldNum" idx="5" sz="quarter"/>
+            <p:ph type="sldNum" sz="quarter" idx="5"/>
           </p:nvPr>
         </p:nvSpPr>
         <p:spPr/>
@@ -835,7 +629,7 @@
 </file>
 
 <file path=ppt/notesSlides/notesSlide14.xml><?xml version="1.0" encoding="utf-8"?>
-<p:notes xmlns:a="http://schemas.openxmlformats.org/drawingml/2006/main" xmlns:p="http://schemas.openxmlformats.org/presentationml/2006/main" xmlns:r="http://schemas.openxmlformats.org/officeDocument/2006/relationships">
+<p:notes xmlns:a="http://schemas.openxmlformats.org/drawingml/2006/main" xmlns:r="http://schemas.openxmlformats.org/officeDocument/2006/relationships" xmlns:p="http://schemas.openxmlformats.org/presentationml/2006/main">
   <p:cSld>
     <p:spTree>
       <p:nvGrpSpPr>
@@ -855,7 +649,7 @@
         <p:nvSpPr>
           <p:cNvPr id="2" name="Slide Image Placeholder 1"/>
           <p:cNvSpPr>
-            <a:spLocks noGrp="1"/>
+            <a:spLocks noGrp="1" noRot="1" noChangeAspect="1"/>
           </p:cNvSpPr>
           <p:nvPr>
             <p:ph type="sldImg" idx="2"/>
@@ -870,7 +664,7 @@
             <a:spLocks noGrp="1"/>
           </p:cNvSpPr>
           <p:nvPr>
-            <p:ph type="body" idx="3" sz="quarter"/>
+            <p:ph type="body" sz="quarter" idx="3"/>
           </p:nvPr>
         </p:nvSpPr>
         <p:spPr/>
@@ -891,7 +685,7 @@
             <a:spLocks noGrp="1"/>
           </p:cNvSpPr>
           <p:nvPr>
-            <p:ph type="sldNum" idx="5" sz="quarter"/>
+            <p:ph type="sldNum" sz="quarter" idx="5"/>
           </p:nvPr>
         </p:nvSpPr>
         <p:spPr/>
@@ -905,7 +699,7 @@
 </file>
 
 <file path=ppt/notesSlides/notesSlide15.xml><?xml version="1.0" encoding="utf-8"?>
-<p:notes xmlns:a="http://schemas.openxmlformats.org/drawingml/2006/main" xmlns:p="http://schemas.openxmlformats.org/presentationml/2006/main" xmlns:r="http://schemas.openxmlformats.org/officeDocument/2006/relationships">
+<p:notes xmlns:a="http://schemas.openxmlformats.org/drawingml/2006/main" xmlns:r="http://schemas.openxmlformats.org/officeDocument/2006/relationships" xmlns:p="http://schemas.openxmlformats.org/presentationml/2006/main">
   <p:cSld>
     <p:spTree>
       <p:nvGrpSpPr>
@@ -925,7 +719,7 @@
         <p:nvSpPr>
           <p:cNvPr id="2" name="Slide Image Placeholder 1"/>
           <p:cNvSpPr>
-            <a:spLocks noGrp="1"/>
+            <a:spLocks noGrp="1" noRot="1" noChangeAspect="1"/>
           </p:cNvSpPr>
           <p:nvPr>
             <p:ph type="sldImg" idx="2"/>
@@ -940,7 +734,7 @@
             <a:spLocks noGrp="1"/>
           </p:cNvSpPr>
           <p:nvPr>
-            <p:ph type="body" idx="3" sz="quarter"/>
+            <p:ph type="body" sz="quarter" idx="3"/>
           </p:nvPr>
         </p:nvSpPr>
         <p:spPr/>
@@ -961,7 +755,7 @@
             <a:spLocks noGrp="1"/>
           </p:cNvSpPr>
           <p:nvPr>
-            <p:ph type="sldNum" idx="5" sz="quarter"/>
+            <p:ph type="sldNum" sz="quarter" idx="5"/>
           </p:nvPr>
         </p:nvSpPr>
         <p:spPr/>
@@ -975,7 +769,7 @@
 </file>
 
 <file path=ppt/notesSlides/notesSlide16.xml><?xml version="1.0" encoding="utf-8"?>
-<p:notes xmlns:a="http://schemas.openxmlformats.org/drawingml/2006/main" xmlns:p="http://schemas.openxmlformats.org/presentationml/2006/main" xmlns:r="http://schemas.openxmlformats.org/officeDocument/2006/relationships">
+<p:notes xmlns:a="http://schemas.openxmlformats.org/drawingml/2006/main" xmlns:r="http://schemas.openxmlformats.org/officeDocument/2006/relationships" xmlns:p="http://schemas.openxmlformats.org/presentationml/2006/main">
   <p:cSld>
     <p:spTree>
       <p:nvGrpSpPr>
@@ -995,7 +789,7 @@
         <p:nvSpPr>
           <p:cNvPr id="2" name="Slide Image Placeholder 1"/>
           <p:cNvSpPr>
-            <a:spLocks noGrp="1"/>
+            <a:spLocks noGrp="1" noRot="1" noChangeAspect="1"/>
           </p:cNvSpPr>
           <p:nvPr>
             <p:ph type="sldImg" idx="2"/>
@@ -1010,7 +804,7 @@
             <a:spLocks noGrp="1"/>
           </p:cNvSpPr>
           <p:nvPr>
-            <p:ph type="body" idx="3" sz="quarter"/>
+            <p:ph type="body" sz="quarter" idx="3"/>
           </p:nvPr>
         </p:nvSpPr>
         <p:spPr/>
@@ -1031,7 +825,7 @@
             <a:spLocks noGrp="1"/>
           </p:cNvSpPr>
           <p:nvPr>
-            <p:ph type="sldNum" idx="5" sz="quarter"/>
+            <p:ph type="sldNum" sz="quarter" idx="5"/>
           </p:nvPr>
         </p:nvSpPr>
         <p:spPr/>
@@ -1045,7 +839,7 @@
 </file>
 
 <file path=ppt/notesSlides/notesSlide17.xml><?xml version="1.0" encoding="utf-8"?>
-<p:notes xmlns:a="http://schemas.openxmlformats.org/drawingml/2006/main" xmlns:p="http://schemas.openxmlformats.org/presentationml/2006/main" xmlns:r="http://schemas.openxmlformats.org/officeDocument/2006/relationships">
+<p:notes xmlns:a="http://schemas.openxmlformats.org/drawingml/2006/main" xmlns:r="http://schemas.openxmlformats.org/officeDocument/2006/relationships" xmlns:p="http://schemas.openxmlformats.org/presentationml/2006/main">
   <p:cSld>
     <p:spTree>
       <p:nvGrpSpPr>
@@ -1065,7 +859,7 @@
         <p:nvSpPr>
           <p:cNvPr id="2" name="Slide Image Placeholder 1"/>
           <p:cNvSpPr>
-            <a:spLocks noGrp="1"/>
+            <a:spLocks noGrp="1" noRot="1" noChangeAspect="1"/>
           </p:cNvSpPr>
           <p:nvPr>
             <p:ph type="sldImg" idx="2"/>
@@ -1080,7 +874,7 @@
             <a:spLocks noGrp="1"/>
           </p:cNvSpPr>
           <p:nvPr>
-            <p:ph type="body" idx="3" sz="quarter"/>
+            <p:ph type="body" sz="quarter" idx="3"/>
           </p:nvPr>
         </p:nvSpPr>
         <p:spPr/>
@@ -1101,7 +895,7 @@
             <a:spLocks noGrp="1"/>
           </p:cNvSpPr>
           <p:nvPr>
-            <p:ph type="sldNum" idx="5" sz="quarter"/>
+            <p:ph type="sldNum" sz="quarter" idx="5"/>
           </p:nvPr>
         </p:nvSpPr>
         <p:spPr/>
@@ -1115,7 +909,7 @@
 </file>
 
 <file path=ppt/notesSlides/notesSlide18.xml><?xml version="1.0" encoding="utf-8"?>
-<p:notes xmlns:a="http://schemas.openxmlformats.org/drawingml/2006/main" xmlns:p="http://schemas.openxmlformats.org/presentationml/2006/main" xmlns:r="http://schemas.openxmlformats.org/officeDocument/2006/relationships">
+<p:notes xmlns:a="http://schemas.openxmlformats.org/drawingml/2006/main" xmlns:r="http://schemas.openxmlformats.org/officeDocument/2006/relationships" xmlns:p="http://schemas.openxmlformats.org/presentationml/2006/main">
   <p:cSld>
     <p:spTree>
       <p:nvGrpSpPr>
@@ -1135,7 +929,7 @@
         <p:nvSpPr>
           <p:cNvPr id="2" name="Slide Image Placeholder 1"/>
           <p:cNvSpPr>
-            <a:spLocks noGrp="1"/>
+            <a:spLocks noGrp="1" noRot="1" noChangeAspect="1"/>
           </p:cNvSpPr>
           <p:nvPr>
             <p:ph type="sldImg" idx="2"/>
@@ -1150,7 +944,7 @@
             <a:spLocks noGrp="1"/>
           </p:cNvSpPr>
           <p:nvPr>
-            <p:ph type="body" idx="3" sz="quarter"/>
+            <p:ph type="body" sz="quarter" idx="3"/>
           </p:nvPr>
         </p:nvSpPr>
         <p:spPr/>
@@ -1171,7 +965,7 @@
             <a:spLocks noGrp="1"/>
           </p:cNvSpPr>
           <p:nvPr>
-            <p:ph type="sldNum" idx="5" sz="quarter"/>
+            <p:ph type="sldNum" sz="quarter" idx="5"/>
           </p:nvPr>
         </p:nvSpPr>
         <p:spPr/>
@@ -1185,7 +979,7 @@
 </file>
 
 <file path=ppt/notesSlides/notesSlide19.xml><?xml version="1.0" encoding="utf-8"?>
-<p:notes xmlns:a="http://schemas.openxmlformats.org/drawingml/2006/main" xmlns:p="http://schemas.openxmlformats.org/presentationml/2006/main" xmlns:r="http://schemas.openxmlformats.org/officeDocument/2006/relationships">
+<p:notes xmlns:a="http://schemas.openxmlformats.org/drawingml/2006/main" xmlns:r="http://schemas.openxmlformats.org/officeDocument/2006/relationships" xmlns:p="http://schemas.openxmlformats.org/presentationml/2006/main">
   <p:cSld>
     <p:spTree>
       <p:nvGrpSpPr>
@@ -1205,7 +999,7 @@
         <p:nvSpPr>
           <p:cNvPr id="2" name="Slide Image Placeholder 1"/>
           <p:cNvSpPr>
-            <a:spLocks noGrp="1"/>
+            <a:spLocks noGrp="1" noRot="1" noChangeAspect="1"/>
           </p:cNvSpPr>
           <p:nvPr>
             <p:ph type="sldImg" idx="2"/>
@@ -1220,7 +1014,7 @@
             <a:spLocks noGrp="1"/>
           </p:cNvSpPr>
           <p:nvPr>
-            <p:ph type="body" idx="3" sz="quarter"/>
+            <p:ph type="body" sz="quarter" idx="3"/>
           </p:nvPr>
         </p:nvSpPr>
         <p:spPr/>
@@ -1241,7 +1035,7 @@
             <a:spLocks noGrp="1"/>
           </p:cNvSpPr>
           <p:nvPr>
-            <p:ph type="sldNum" idx="5" sz="quarter"/>
+            <p:ph type="sldNum" sz="quarter" idx="5"/>
           </p:nvPr>
         </p:nvSpPr>
         <p:spPr/>
@@ -1255,7 +1049,7 @@
 </file>
 
 <file path=ppt/notesSlides/notesSlide2.xml><?xml version="1.0" encoding="utf-8"?>
-<p:notes xmlns:a="http://schemas.openxmlformats.org/drawingml/2006/main" xmlns:p="http://schemas.openxmlformats.org/presentationml/2006/main" xmlns:r="http://schemas.openxmlformats.org/officeDocument/2006/relationships">
+<p:notes xmlns:a="http://schemas.openxmlformats.org/drawingml/2006/main" xmlns:r="http://schemas.openxmlformats.org/officeDocument/2006/relationships" xmlns:p="http://schemas.openxmlformats.org/presentationml/2006/main">
   <p:cSld>
     <p:spTree>
       <p:nvGrpSpPr>
@@ -1275,7 +1069,7 @@
         <p:nvSpPr>
           <p:cNvPr id="2" name="Slide Image Placeholder 1"/>
           <p:cNvSpPr>
-            <a:spLocks noGrp="1"/>
+            <a:spLocks noGrp="1" noRot="1" noChangeAspect="1"/>
           </p:cNvSpPr>
           <p:nvPr>
             <p:ph type="sldImg" idx="2"/>
@@ -1290,7 +1084,7 @@
             <a:spLocks noGrp="1"/>
           </p:cNvSpPr>
           <p:nvPr>
-            <p:ph type="body" idx="3" sz="quarter"/>
+            <p:ph type="body" sz="quarter" idx="3"/>
           </p:nvPr>
         </p:nvSpPr>
         <p:spPr/>
@@ -1311,7 +1105,7 @@
             <a:spLocks noGrp="1"/>
           </p:cNvSpPr>
           <p:nvPr>
-            <p:ph type="sldNum" idx="5" sz="quarter"/>
+            <p:ph type="sldNum" sz="quarter" idx="5"/>
           </p:nvPr>
         </p:nvSpPr>
         <p:spPr/>
@@ -1325,7 +1119,7 @@
 </file>
 
 <file path=ppt/notesSlides/notesSlide20.xml><?xml version="1.0" encoding="utf-8"?>
-<p:notes xmlns:a="http://schemas.openxmlformats.org/drawingml/2006/main" xmlns:p="http://schemas.openxmlformats.org/presentationml/2006/main" xmlns:r="http://schemas.openxmlformats.org/officeDocument/2006/relationships">
+<p:notes xmlns:a="http://schemas.openxmlformats.org/drawingml/2006/main" xmlns:r="http://schemas.openxmlformats.org/officeDocument/2006/relationships" xmlns:p="http://schemas.openxmlformats.org/presentationml/2006/main">
   <p:cSld>
     <p:spTree>
       <p:nvGrpSpPr>
@@ -1345,7 +1139,7 @@
         <p:nvSpPr>
           <p:cNvPr id="2" name="Slide Image Placeholder 1"/>
           <p:cNvSpPr>
-            <a:spLocks noGrp="1"/>
+            <a:spLocks noGrp="1" noRot="1" noChangeAspect="1"/>
           </p:cNvSpPr>
           <p:nvPr>
             <p:ph type="sldImg" idx="2"/>
@@ -1360,7 +1154,7 @@
             <a:spLocks noGrp="1"/>
           </p:cNvSpPr>
           <p:nvPr>
-            <p:ph type="body" idx="3" sz="quarter"/>
+            <p:ph type="body" sz="quarter" idx="3"/>
           </p:nvPr>
         </p:nvSpPr>
         <p:spPr/>
@@ -1381,7 +1175,7 @@
             <a:spLocks noGrp="1"/>
           </p:cNvSpPr>
           <p:nvPr>
-            <p:ph type="sldNum" idx="5" sz="quarter"/>
+            <p:ph type="sldNum" sz="quarter" idx="5"/>
           </p:nvPr>
         </p:nvSpPr>
         <p:spPr/>
@@ -1395,7 +1189,7 @@
 </file>
 
 <file path=ppt/notesSlides/notesSlide21.xml><?xml version="1.0" encoding="utf-8"?>
-<p:notes xmlns:a="http://schemas.openxmlformats.org/drawingml/2006/main" xmlns:p="http://schemas.openxmlformats.org/presentationml/2006/main" xmlns:r="http://schemas.openxmlformats.org/officeDocument/2006/relationships">
+<p:notes xmlns:a="http://schemas.openxmlformats.org/drawingml/2006/main" xmlns:r="http://schemas.openxmlformats.org/officeDocument/2006/relationships" xmlns:p="http://schemas.openxmlformats.org/presentationml/2006/main">
   <p:cSld>
     <p:spTree>
       <p:nvGrpSpPr>
@@ -1415,7 +1209,7 @@
         <p:nvSpPr>
           <p:cNvPr id="2" name="Slide Image Placeholder 1"/>
           <p:cNvSpPr>
-            <a:spLocks noGrp="1"/>
+            <a:spLocks noGrp="1" noRot="1" noChangeAspect="1"/>
           </p:cNvSpPr>
           <p:nvPr>
             <p:ph type="sldImg" idx="2"/>
@@ -1430,7 +1224,7 @@
             <a:spLocks noGrp="1"/>
           </p:cNvSpPr>
           <p:nvPr>
-            <p:ph type="body" idx="3" sz="quarter"/>
+            <p:ph type="body" sz="quarter" idx="3"/>
           </p:nvPr>
         </p:nvSpPr>
         <p:spPr/>
@@ -1451,7 +1245,7 @@
             <a:spLocks noGrp="1"/>
           </p:cNvSpPr>
           <p:nvPr>
-            <p:ph type="sldNum" idx="5" sz="quarter"/>
+            <p:ph type="sldNum" sz="quarter" idx="5"/>
           </p:nvPr>
         </p:nvSpPr>
         <p:spPr/>
@@ -1465,7 +1259,7 @@
 </file>
 
 <file path=ppt/notesSlides/notesSlide22.xml><?xml version="1.0" encoding="utf-8"?>
-<p:notes xmlns:a="http://schemas.openxmlformats.org/drawingml/2006/main" xmlns:p="http://schemas.openxmlformats.org/presentationml/2006/main" xmlns:r="http://schemas.openxmlformats.org/officeDocument/2006/relationships">
+<p:notes xmlns:a="http://schemas.openxmlformats.org/drawingml/2006/main" xmlns:r="http://schemas.openxmlformats.org/officeDocument/2006/relationships" xmlns:p="http://schemas.openxmlformats.org/presentationml/2006/main">
   <p:cSld>
     <p:spTree>
       <p:nvGrpSpPr>
@@ -1485,7 +1279,7 @@
         <p:nvSpPr>
           <p:cNvPr id="2" name="Slide Image Placeholder 1"/>
           <p:cNvSpPr>
-            <a:spLocks noGrp="1"/>
+            <a:spLocks noGrp="1" noRot="1" noChangeAspect="1"/>
           </p:cNvSpPr>
           <p:nvPr>
             <p:ph type="sldImg" idx="2"/>
@@ -1500,7 +1294,7 @@
             <a:spLocks noGrp="1"/>
           </p:cNvSpPr>
           <p:nvPr>
-            <p:ph type="body" idx="3" sz="quarter"/>
+            <p:ph type="body" sz="quarter" idx="3"/>
           </p:nvPr>
         </p:nvSpPr>
         <p:spPr/>
@@ -1521,7 +1315,7 @@
             <a:spLocks noGrp="1"/>
           </p:cNvSpPr>
           <p:nvPr>
-            <p:ph type="sldNum" idx="5" sz="quarter"/>
+            <p:ph type="sldNum" sz="quarter" idx="5"/>
           </p:nvPr>
         </p:nvSpPr>
         <p:spPr/>
@@ -1535,7 +1329,7 @@
 </file>
 
 <file path=ppt/notesSlides/notesSlide23.xml><?xml version="1.0" encoding="utf-8"?>
-<p:notes xmlns:a="http://schemas.openxmlformats.org/drawingml/2006/main" xmlns:p="http://schemas.openxmlformats.org/presentationml/2006/main" xmlns:r="http://schemas.openxmlformats.org/officeDocument/2006/relationships">
+<p:notes xmlns:a="http://schemas.openxmlformats.org/drawingml/2006/main" xmlns:r="http://schemas.openxmlformats.org/officeDocument/2006/relationships" xmlns:p="http://schemas.openxmlformats.org/presentationml/2006/main">
   <p:cSld>
     <p:spTree>
       <p:nvGrpSpPr>
@@ -1555,7 +1349,7 @@
         <p:nvSpPr>
           <p:cNvPr id="2" name="Slide Image Placeholder 1"/>
           <p:cNvSpPr>
-            <a:spLocks noGrp="1"/>
+            <a:spLocks noGrp="1" noRot="1" noChangeAspect="1"/>
           </p:cNvSpPr>
           <p:nvPr>
             <p:ph type="sldImg" idx="2"/>
@@ -1570,7 +1364,7 @@
             <a:spLocks noGrp="1"/>
           </p:cNvSpPr>
           <p:nvPr>
-            <p:ph type="body" idx="3" sz="quarter"/>
+            <p:ph type="body" sz="quarter" idx="3"/>
           </p:nvPr>
         </p:nvSpPr>
         <p:spPr/>
@@ -1591,7 +1385,7 @@
             <a:spLocks noGrp="1"/>
           </p:cNvSpPr>
           <p:nvPr>
-            <p:ph type="sldNum" idx="5" sz="quarter"/>
+            <p:ph type="sldNum" sz="quarter" idx="5"/>
           </p:nvPr>
         </p:nvSpPr>
         <p:spPr/>
@@ -1605,7 +1399,7 @@
 </file>
 
 <file path=ppt/notesSlides/notesSlide24.xml><?xml version="1.0" encoding="utf-8"?>
-<p:notes xmlns:a="http://schemas.openxmlformats.org/drawingml/2006/main" xmlns:p="http://schemas.openxmlformats.org/presentationml/2006/main" xmlns:r="http://schemas.openxmlformats.org/officeDocument/2006/relationships">
+<p:notes xmlns:a="http://schemas.openxmlformats.org/drawingml/2006/main" xmlns:r="http://schemas.openxmlformats.org/officeDocument/2006/relationships" xmlns:p="http://schemas.openxmlformats.org/presentationml/2006/main">
   <p:cSld>
     <p:spTree>
       <p:nvGrpSpPr>
@@ -1625,7 +1419,7 @@
         <p:nvSpPr>
           <p:cNvPr id="2" name="Slide Image Placeholder 1"/>
           <p:cNvSpPr>
-            <a:spLocks noGrp="1"/>
+            <a:spLocks noGrp="1" noRot="1" noChangeAspect="1"/>
           </p:cNvSpPr>
           <p:nvPr>
             <p:ph type="sldImg" idx="2"/>
@@ -1640,7 +1434,7 @@
             <a:spLocks noGrp="1"/>
           </p:cNvSpPr>
           <p:nvPr>
-            <p:ph type="body" idx="3" sz="quarter"/>
+            <p:ph type="body" sz="quarter" idx="3"/>
           </p:nvPr>
         </p:nvSpPr>
         <p:spPr/>
@@ -1661,7 +1455,7 @@
             <a:spLocks noGrp="1"/>
           </p:cNvSpPr>
           <p:nvPr>
-            <p:ph type="sldNum" idx="5" sz="quarter"/>
+            <p:ph type="sldNum" sz="quarter" idx="5"/>
           </p:nvPr>
         </p:nvSpPr>
         <p:spPr/>
@@ -1675,7 +1469,7 @@
 </file>
 
 <file path=ppt/notesSlides/notesSlide25.xml><?xml version="1.0" encoding="utf-8"?>
-<p:notes xmlns:a="http://schemas.openxmlformats.org/drawingml/2006/main" xmlns:p="http://schemas.openxmlformats.org/presentationml/2006/main" xmlns:r="http://schemas.openxmlformats.org/officeDocument/2006/relationships">
+<p:notes xmlns:a="http://schemas.openxmlformats.org/drawingml/2006/main" xmlns:r="http://schemas.openxmlformats.org/officeDocument/2006/relationships" xmlns:p="http://schemas.openxmlformats.org/presentationml/2006/main">
   <p:cSld>
     <p:spTree>
       <p:nvGrpSpPr>
@@ -1695,7 +1489,7 @@
         <p:nvSpPr>
           <p:cNvPr id="2" name="Slide Image Placeholder 1"/>
           <p:cNvSpPr>
-            <a:spLocks noGrp="1"/>
+            <a:spLocks noGrp="1" noRot="1" noChangeAspect="1"/>
           </p:cNvSpPr>
           <p:nvPr>
             <p:ph type="sldImg" idx="2"/>
@@ -1710,7 +1504,7 @@
             <a:spLocks noGrp="1"/>
           </p:cNvSpPr>
           <p:nvPr>
-            <p:ph type="body" idx="3" sz="quarter"/>
+            <p:ph type="body" sz="quarter" idx="3"/>
           </p:nvPr>
         </p:nvSpPr>
         <p:spPr/>
@@ -1731,7 +1525,7 @@
             <a:spLocks noGrp="1"/>
           </p:cNvSpPr>
           <p:nvPr>
-            <p:ph type="sldNum" idx="5" sz="quarter"/>
+            <p:ph type="sldNum" sz="quarter" idx="5"/>
           </p:nvPr>
         </p:nvSpPr>
         <p:spPr/>
@@ -1745,7 +1539,7 @@
 </file>
 
 <file path=ppt/notesSlides/notesSlide26.xml><?xml version="1.0" encoding="utf-8"?>
-<p:notes xmlns:a="http://schemas.openxmlformats.org/drawingml/2006/main" xmlns:p="http://schemas.openxmlformats.org/presentationml/2006/main" xmlns:r="http://schemas.openxmlformats.org/officeDocument/2006/relationships">
+<p:notes xmlns:a="http://schemas.openxmlformats.org/drawingml/2006/main" xmlns:r="http://schemas.openxmlformats.org/officeDocument/2006/relationships" xmlns:p="http://schemas.openxmlformats.org/presentationml/2006/main">
   <p:cSld>
     <p:spTree>
       <p:nvGrpSpPr>
@@ -1765,7 +1559,7 @@
         <p:nvSpPr>
           <p:cNvPr id="2" name="Slide Image Placeholder 1"/>
           <p:cNvSpPr>
-            <a:spLocks noGrp="1"/>
+            <a:spLocks noGrp="1" noRot="1" noChangeAspect="1"/>
           </p:cNvSpPr>
           <p:nvPr>
             <p:ph type="sldImg" idx="2"/>
@@ -1780,7 +1574,7 @@
             <a:spLocks noGrp="1"/>
           </p:cNvSpPr>
           <p:nvPr>
-            <p:ph type="body" idx="3" sz="quarter"/>
+            <p:ph type="body" sz="quarter" idx="3"/>
           </p:nvPr>
         </p:nvSpPr>
         <p:spPr/>
@@ -1801,7 +1595,7 @@
             <a:spLocks noGrp="1"/>
           </p:cNvSpPr>
           <p:nvPr>
-            <p:ph type="sldNum" idx="5" sz="quarter"/>
+            <p:ph type="sldNum" sz="quarter" idx="5"/>
           </p:nvPr>
         </p:nvSpPr>
         <p:spPr/>
@@ -1815,7 +1609,7 @@
 </file>
 
 <file path=ppt/notesSlides/notesSlide27.xml><?xml version="1.0" encoding="utf-8"?>
-<p:notes xmlns:a="http://schemas.openxmlformats.org/drawingml/2006/main" xmlns:p="http://schemas.openxmlformats.org/presentationml/2006/main" xmlns:r="http://schemas.openxmlformats.org/officeDocument/2006/relationships">
+<p:notes xmlns:a="http://schemas.openxmlformats.org/drawingml/2006/main" xmlns:r="http://schemas.openxmlformats.org/officeDocument/2006/relationships" xmlns:p="http://schemas.openxmlformats.org/presentationml/2006/main">
   <p:cSld>
     <p:spTree>
       <p:nvGrpSpPr>
@@ -1835,7 +1629,7 @@
         <p:nvSpPr>
           <p:cNvPr id="2" name="Slide Image Placeholder 1"/>
           <p:cNvSpPr>
-            <a:spLocks noGrp="1"/>
+            <a:spLocks noGrp="1" noRot="1" noChangeAspect="1"/>
           </p:cNvSpPr>
           <p:nvPr>
             <p:ph type="sldImg" idx="2"/>
@@ -1850,7 +1644,7 @@
             <a:spLocks noGrp="1"/>
           </p:cNvSpPr>
           <p:nvPr>
-            <p:ph type="body" idx="3" sz="quarter"/>
+            <p:ph type="body" sz="quarter" idx="3"/>
           </p:nvPr>
         </p:nvSpPr>
         <p:spPr/>
@@ -1871,7 +1665,7 @@
             <a:spLocks noGrp="1"/>
           </p:cNvSpPr>
           <p:nvPr>
-            <p:ph type="sldNum" idx="5" sz="quarter"/>
+            <p:ph type="sldNum" sz="quarter" idx="5"/>
           </p:nvPr>
         </p:nvSpPr>
         <p:spPr/>
@@ -1885,7 +1679,7 @@
 </file>
 
 <file path=ppt/notesSlides/notesSlide28.xml><?xml version="1.0" encoding="utf-8"?>
-<p:notes xmlns:a="http://schemas.openxmlformats.org/drawingml/2006/main" xmlns:p="http://schemas.openxmlformats.org/presentationml/2006/main" xmlns:r="http://schemas.openxmlformats.org/officeDocument/2006/relationships">
+<p:notes xmlns:a="http://schemas.openxmlformats.org/drawingml/2006/main" xmlns:r="http://schemas.openxmlformats.org/officeDocument/2006/relationships" xmlns:p="http://schemas.openxmlformats.org/presentationml/2006/main">
   <p:cSld>
     <p:spTree>
       <p:nvGrpSpPr>
@@ -1905,7 +1699,7 @@
         <p:nvSpPr>
           <p:cNvPr id="2" name="Slide Image Placeholder 1"/>
           <p:cNvSpPr>
-            <a:spLocks noGrp="1"/>
+            <a:spLocks noGrp="1" noRot="1" noChangeAspect="1"/>
           </p:cNvSpPr>
           <p:nvPr>
             <p:ph type="sldImg" idx="2"/>
@@ -1920,7 +1714,7 @@
             <a:spLocks noGrp="1"/>
           </p:cNvSpPr>
           <p:nvPr>
-            <p:ph type="body" idx="3" sz="quarter"/>
+            <p:ph type="body" sz="quarter" idx="3"/>
           </p:nvPr>
         </p:nvSpPr>
         <p:spPr/>
@@ -1941,7 +1735,7 @@
             <a:spLocks noGrp="1"/>
           </p:cNvSpPr>
           <p:nvPr>
-            <p:ph type="sldNum" idx="5" sz="quarter"/>
+            <p:ph type="sldNum" sz="quarter" idx="5"/>
           </p:nvPr>
         </p:nvSpPr>
         <p:spPr/>
@@ -1955,7 +1749,7 @@
 </file>
 
 <file path=ppt/notesSlides/notesSlide3.xml><?xml version="1.0" encoding="utf-8"?>
-<p:notes xmlns:a="http://schemas.openxmlformats.org/drawingml/2006/main" xmlns:p="http://schemas.openxmlformats.org/presentationml/2006/main" xmlns:r="http://schemas.openxmlformats.org/officeDocument/2006/relationships">
+<p:notes xmlns:a="http://schemas.openxmlformats.org/drawingml/2006/main" xmlns:r="http://schemas.openxmlformats.org/officeDocument/2006/relationships" xmlns:p="http://schemas.openxmlformats.org/presentationml/2006/main">
   <p:cSld>
     <p:spTree>
       <p:nvGrpSpPr>
@@ -1975,7 +1769,7 @@
         <p:nvSpPr>
           <p:cNvPr id="2" name="Slide Image Placeholder 1"/>
           <p:cNvSpPr>
-            <a:spLocks noGrp="1"/>
+            <a:spLocks noGrp="1" noRot="1" noChangeAspect="1"/>
           </p:cNvSpPr>
           <p:nvPr>
             <p:ph type="sldImg" idx="2"/>
@@ -1990,7 +1784,7 @@
             <a:spLocks noGrp="1"/>
           </p:cNvSpPr>
           <p:nvPr>
-            <p:ph type="body" idx="3" sz="quarter"/>
+            <p:ph type="body" sz="quarter" idx="3"/>
           </p:nvPr>
         </p:nvSpPr>
         <p:spPr/>
@@ -2011,7 +1805,7 @@
             <a:spLocks noGrp="1"/>
           </p:cNvSpPr>
           <p:nvPr>
-            <p:ph type="sldNum" idx="5" sz="quarter"/>
+            <p:ph type="sldNum" sz="quarter" idx="5"/>
           </p:nvPr>
         </p:nvSpPr>
         <p:spPr/>
@@ -2025,7 +1819,7 @@
 </file>
 
 <file path=ppt/notesSlides/notesSlide4.xml><?xml version="1.0" encoding="utf-8"?>
-<p:notes xmlns:a="http://schemas.openxmlformats.org/drawingml/2006/main" xmlns:p="http://schemas.openxmlformats.org/presentationml/2006/main" xmlns:r="http://schemas.openxmlformats.org/officeDocument/2006/relationships">
+<p:notes xmlns:a="http://schemas.openxmlformats.org/drawingml/2006/main" xmlns:r="http://schemas.openxmlformats.org/officeDocument/2006/relationships" xmlns:p="http://schemas.openxmlformats.org/presentationml/2006/main">
   <p:cSld>
     <p:spTree>
       <p:nvGrpSpPr>
@@ -2045,7 +1839,7 @@
         <p:nvSpPr>
           <p:cNvPr id="2" name="Slide Image Placeholder 1"/>
           <p:cNvSpPr>
-            <a:spLocks noGrp="1"/>
+            <a:spLocks noGrp="1" noRot="1" noChangeAspect="1"/>
           </p:cNvSpPr>
           <p:nvPr>
             <p:ph type="sldImg" idx="2"/>
@@ -2060,7 +1854,7 @@
             <a:spLocks noGrp="1"/>
           </p:cNvSpPr>
           <p:nvPr>
-            <p:ph type="body" idx="3" sz="quarter"/>
+            <p:ph type="body" sz="quarter" idx="3"/>
           </p:nvPr>
         </p:nvSpPr>
         <p:spPr/>
@@ -2081,7 +1875,7 @@
             <a:spLocks noGrp="1"/>
           </p:cNvSpPr>
           <p:nvPr>
-            <p:ph type="sldNum" idx="5" sz="quarter"/>
+            <p:ph type="sldNum" sz="quarter" idx="5"/>
           </p:nvPr>
         </p:nvSpPr>
         <p:spPr/>
@@ -2095,7 +1889,7 @@
 </file>
 
 <file path=ppt/notesSlides/notesSlide5.xml><?xml version="1.0" encoding="utf-8"?>
-<p:notes xmlns:a="http://schemas.openxmlformats.org/drawingml/2006/main" xmlns:p="http://schemas.openxmlformats.org/presentationml/2006/main" xmlns:r="http://schemas.openxmlformats.org/officeDocument/2006/relationships">
+<p:notes xmlns:a="http://schemas.openxmlformats.org/drawingml/2006/main" xmlns:r="http://schemas.openxmlformats.org/officeDocument/2006/relationships" xmlns:p="http://schemas.openxmlformats.org/presentationml/2006/main">
   <p:cSld>
     <p:spTree>
       <p:nvGrpSpPr>
@@ -2115,7 +1909,7 @@
         <p:nvSpPr>
           <p:cNvPr id="2" name="Slide Image Placeholder 1"/>
           <p:cNvSpPr>
-            <a:spLocks noGrp="1"/>
+            <a:spLocks noGrp="1" noRot="1" noChangeAspect="1"/>
           </p:cNvSpPr>
           <p:nvPr>
             <p:ph type="sldImg" idx="2"/>
@@ -2130,7 +1924,7 @@
             <a:spLocks noGrp="1"/>
           </p:cNvSpPr>
           <p:nvPr>
-            <p:ph type="body" idx="3" sz="quarter"/>
+            <p:ph type="body" sz="quarter" idx="3"/>
           </p:nvPr>
         </p:nvSpPr>
         <p:spPr/>
@@ -2151,7 +1945,7 @@
             <a:spLocks noGrp="1"/>
           </p:cNvSpPr>
           <p:nvPr>
-            <p:ph type="sldNum" idx="5" sz="quarter"/>
+            <p:ph type="sldNum" sz="quarter" idx="5"/>
           </p:nvPr>
         </p:nvSpPr>
         <p:spPr/>
@@ -2165,7 +1959,7 @@
 </file>
 
 <file path=ppt/notesSlides/notesSlide6.xml><?xml version="1.0" encoding="utf-8"?>
-<p:notes xmlns:a="http://schemas.openxmlformats.org/drawingml/2006/main" xmlns:p="http://schemas.openxmlformats.org/presentationml/2006/main" xmlns:r="http://schemas.openxmlformats.org/officeDocument/2006/relationships">
+<p:notes xmlns:a="http://schemas.openxmlformats.org/drawingml/2006/main" xmlns:r="http://schemas.openxmlformats.org/officeDocument/2006/relationships" xmlns:p="http://schemas.openxmlformats.org/presentationml/2006/main">
   <p:cSld>
     <p:spTree>
       <p:nvGrpSpPr>
@@ -2185,7 +1979,7 @@
         <p:nvSpPr>
           <p:cNvPr id="2" name="Slide Image Placeholder 1"/>
           <p:cNvSpPr>
-            <a:spLocks noGrp="1"/>
+            <a:spLocks noGrp="1" noRot="1" noChangeAspect="1"/>
           </p:cNvSpPr>
           <p:nvPr>
             <p:ph type="sldImg" idx="2"/>
@@ -2200,7 +1994,7 @@
             <a:spLocks noGrp="1"/>
           </p:cNvSpPr>
           <p:nvPr>
-            <p:ph type="body" idx="3" sz="quarter"/>
+            <p:ph type="body" sz="quarter" idx="3"/>
           </p:nvPr>
         </p:nvSpPr>
         <p:spPr/>
@@ -2221,7 +2015,7 @@
             <a:spLocks noGrp="1"/>
           </p:cNvSpPr>
           <p:nvPr>
-            <p:ph type="sldNum" idx="5" sz="quarter"/>
+            <p:ph type="sldNum" sz="quarter" idx="5"/>
           </p:nvPr>
         </p:nvSpPr>
         <p:spPr/>
@@ -2235,7 +2029,7 @@
 </file>
 
 <file path=ppt/notesSlides/notesSlide7.xml><?xml version="1.0" encoding="utf-8"?>
-<p:notes xmlns:a="http://schemas.openxmlformats.org/drawingml/2006/main" xmlns:p="http://schemas.openxmlformats.org/presentationml/2006/main" xmlns:r="http://schemas.openxmlformats.org/officeDocument/2006/relationships">
+<p:notes xmlns:a="http://schemas.openxmlformats.org/drawingml/2006/main" xmlns:r="http://schemas.openxmlformats.org/officeDocument/2006/relationships" xmlns:p="http://schemas.openxmlformats.org/presentationml/2006/main">
   <p:cSld>
     <p:spTree>
       <p:nvGrpSpPr>
@@ -2255,7 +2049,7 @@
         <p:nvSpPr>
           <p:cNvPr id="2" name="Slide Image Placeholder 1"/>
           <p:cNvSpPr>
-            <a:spLocks noGrp="1"/>
+            <a:spLocks noGrp="1" noRot="1" noChangeAspect="1"/>
           </p:cNvSpPr>
           <p:nvPr>
             <p:ph type="sldImg" idx="2"/>
@@ -2270,7 +2064,7 @@
             <a:spLocks noGrp="1"/>
           </p:cNvSpPr>
           <p:nvPr>
-            <p:ph type="body" idx="3" sz="quarter"/>
+            <p:ph type="body" sz="quarter" idx="3"/>
           </p:nvPr>
         </p:nvSpPr>
         <p:spPr/>
@@ -2291,7 +2085,7 @@
             <a:spLocks noGrp="1"/>
           </p:cNvSpPr>
           <p:nvPr>
-            <p:ph type="sldNum" idx="5" sz="quarter"/>
+            <p:ph type="sldNum" sz="quarter" idx="5"/>
           </p:nvPr>
         </p:nvSpPr>
         <p:spPr/>
@@ -2305,7 +2099,7 @@
 </file>
 
 <file path=ppt/notesSlides/notesSlide8.xml><?xml version="1.0" encoding="utf-8"?>
-<p:notes xmlns:a="http://schemas.openxmlformats.org/drawingml/2006/main" xmlns:p="http://schemas.openxmlformats.org/presentationml/2006/main" xmlns:r="http://schemas.openxmlformats.org/officeDocument/2006/relationships">
+<p:notes xmlns:a="http://schemas.openxmlformats.org/drawingml/2006/main" xmlns:r="http://schemas.openxmlformats.org/officeDocument/2006/relationships" xmlns:p="http://schemas.openxmlformats.org/presentationml/2006/main">
   <p:cSld>
     <p:spTree>
       <p:nvGrpSpPr>
@@ -2325,7 +2119,7 @@
         <p:nvSpPr>
           <p:cNvPr id="2" name="Slide Image Placeholder 1"/>
           <p:cNvSpPr>
-            <a:spLocks noGrp="1"/>
+            <a:spLocks noGrp="1" noRot="1" noChangeAspect="1"/>
           </p:cNvSpPr>
           <p:nvPr>
             <p:ph type="sldImg" idx="2"/>
@@ -2340,7 +2134,7 @@
             <a:spLocks noGrp="1"/>
           </p:cNvSpPr>
           <p:nvPr>
-            <p:ph type="body" idx="3" sz="quarter"/>
+            <p:ph type="body" sz="quarter" idx="3"/>
           </p:nvPr>
         </p:nvSpPr>
         <p:spPr/>
@@ -2361,7 +2155,7 @@
             <a:spLocks noGrp="1"/>
           </p:cNvSpPr>
           <p:nvPr>
-            <p:ph type="sldNum" idx="5" sz="quarter"/>
+            <p:ph type="sldNum" sz="quarter" idx="5"/>
           </p:nvPr>
         </p:nvSpPr>
         <p:spPr/>
@@ -2375,7 +2169,7 @@
 </file>
 
 <file path=ppt/notesSlides/notesSlide9.xml><?xml version="1.0" encoding="utf-8"?>
-<p:notes xmlns:a="http://schemas.openxmlformats.org/drawingml/2006/main" xmlns:p="http://schemas.openxmlformats.org/presentationml/2006/main" xmlns:r="http://schemas.openxmlformats.org/officeDocument/2006/relationships">
+<p:notes xmlns:a="http://schemas.openxmlformats.org/drawingml/2006/main" xmlns:r="http://schemas.openxmlformats.org/officeDocument/2006/relationships" xmlns:p="http://schemas.openxmlformats.org/presentationml/2006/main">
   <p:cSld>
     <p:spTree>
       <p:nvGrpSpPr>
@@ -2395,7 +2189,7 @@
         <p:nvSpPr>
           <p:cNvPr id="2" name="Slide Image Placeholder 1"/>
           <p:cNvSpPr>
-            <a:spLocks noGrp="1"/>
+            <a:spLocks noGrp="1" noRot="1" noChangeAspect="1"/>
           </p:cNvSpPr>
           <p:nvPr>
             <p:ph type="sldImg" idx="2"/>
@@ -2410,7 +2204,7 @@
             <a:spLocks noGrp="1"/>
           </p:cNvSpPr>
           <p:nvPr>
-            <p:ph type="body" idx="3" sz="quarter"/>
+            <p:ph type="body" sz="quarter" idx="3"/>
           </p:nvPr>
         </p:nvSpPr>
         <p:spPr/>
@@ -2431,7 +2225,7 @@
             <a:spLocks noGrp="1"/>
           </p:cNvSpPr>
           <p:nvPr>
-            <p:ph type="sldNum" idx="5" sz="quarter"/>
+            <p:ph type="sldNum" sz="quarter" idx="5"/>
           </p:nvPr>
         </p:nvSpPr>
         <p:spPr/>
@@ -2482,10 +2276,9 @@
           <a:lstStyle/>
           <a:p>
             <a:r>
-              <a:rPr lang="en-US" smtClean="0"/>
+              <a:rPr lang="en-US"/>
               <a:t>Click to edit Master title style</a:t>
             </a:r>
-            <a:endParaRPr lang="en-US"/>
           </a:p>
         </p:txBody>
       </p:sp>
@@ -2601,10 +2394,9 @@
           </a:lstStyle>
           <a:p>
             <a:r>
-              <a:rPr lang="en-US" smtClean="0"/>
+              <a:rPr lang="en-US"/>
               <a:t>Click to edit Master subtitle style</a:t>
             </a:r>
-            <a:endParaRPr lang="en-US"/>
           </a:p>
         </p:txBody>
       </p:sp>
@@ -2625,7 +2417,7 @@
           <a:p>
             <a:fld id="{5BCAD085-E8A6-8845-BD4E-CB4CCA059FC4}" type="datetimeFigureOut">
               <a:rPr lang="en-US" smtClean="0"/>
-              <a:t>1/27/13</a:t>
+              <a:t>2/10/2026</a:t>
             </a:fld>
             <a:endParaRPr lang="en-US"/>
           </a:p>
@@ -2719,10 +2511,9 @@
           <a:lstStyle/>
           <a:p>
             <a:r>
-              <a:rPr lang="en-US" smtClean="0"/>
+              <a:rPr lang="en-US"/>
               <a:t>Click to edit Master title style</a:t>
             </a:r>
-            <a:endParaRPr lang="en-US"/>
           </a:p>
         </p:txBody>
       </p:sp>
@@ -2743,38 +2534,37 @@
           <a:p>
             <a:pPr lvl="0"/>
             <a:r>
-              <a:rPr lang="en-US" smtClean="0"/>
+              <a:rPr lang="en-US"/>
               <a:t>Click to edit Master text styles</a:t>
             </a:r>
           </a:p>
           <a:p>
             <a:pPr lvl="1"/>
             <a:r>
-              <a:rPr lang="en-US" smtClean="0"/>
+              <a:rPr lang="en-US"/>
               <a:t>Second level</a:t>
             </a:r>
           </a:p>
           <a:p>
             <a:pPr lvl="2"/>
             <a:r>
-              <a:rPr lang="en-US" smtClean="0"/>
+              <a:rPr lang="en-US"/>
               <a:t>Third level</a:t>
             </a:r>
           </a:p>
           <a:p>
             <a:pPr lvl="3"/>
             <a:r>
-              <a:rPr lang="en-US" smtClean="0"/>
+              <a:rPr lang="en-US"/>
               <a:t>Fourth level</a:t>
             </a:r>
           </a:p>
           <a:p>
             <a:pPr lvl="4"/>
             <a:r>
-              <a:rPr lang="en-US" smtClean="0"/>
+              <a:rPr lang="en-US"/>
               <a:t>Fifth level</a:t>
             </a:r>
-            <a:endParaRPr lang="en-US"/>
           </a:p>
         </p:txBody>
       </p:sp>
@@ -2795,7 +2585,7 @@
           <a:p>
             <a:fld id="{5BCAD085-E8A6-8845-BD4E-CB4CCA059FC4}" type="datetimeFigureOut">
               <a:rPr lang="en-US" smtClean="0"/>
-              <a:t>1/27/13</a:t>
+              <a:t>2/10/2026</a:t>
             </a:fld>
             <a:endParaRPr lang="en-US"/>
           </a:p>
@@ -2894,10 +2684,9 @@
           <a:lstStyle/>
           <a:p>
             <a:r>
-              <a:rPr lang="en-US" smtClean="0"/>
+              <a:rPr lang="en-US"/>
               <a:t>Click to edit Master title style</a:t>
             </a:r>
-            <a:endParaRPr lang="en-US"/>
           </a:p>
         </p:txBody>
       </p:sp>
@@ -2923,38 +2712,37 @@
           <a:p>
             <a:pPr lvl="0"/>
             <a:r>
-              <a:rPr lang="en-US" smtClean="0"/>
+              <a:rPr lang="en-US"/>
               <a:t>Click to edit Master text styles</a:t>
             </a:r>
           </a:p>
           <a:p>
             <a:pPr lvl="1"/>
             <a:r>
-              <a:rPr lang="en-US" smtClean="0"/>
+              <a:rPr lang="en-US"/>
               <a:t>Second level</a:t>
             </a:r>
           </a:p>
           <a:p>
             <a:pPr lvl="2"/>
             <a:r>
-              <a:rPr lang="en-US" smtClean="0"/>
+              <a:rPr lang="en-US"/>
               <a:t>Third level</a:t>
             </a:r>
           </a:p>
           <a:p>
             <a:pPr lvl="3"/>
             <a:r>
-              <a:rPr lang="en-US" smtClean="0"/>
+              <a:rPr lang="en-US"/>
               <a:t>Fourth level</a:t>
             </a:r>
           </a:p>
           <a:p>
             <a:pPr lvl="4"/>
             <a:r>
-              <a:rPr lang="en-US" smtClean="0"/>
+              <a:rPr lang="en-US"/>
               <a:t>Fifth level</a:t>
             </a:r>
-            <a:endParaRPr lang="en-US"/>
           </a:p>
         </p:txBody>
       </p:sp>
@@ -2975,7 +2763,7 @@
           <a:p>
             <a:fld id="{5BCAD085-E8A6-8845-BD4E-CB4CCA059FC4}" type="datetimeFigureOut">
               <a:rPr lang="en-US" smtClean="0"/>
-              <a:t>1/27/13</a:t>
+              <a:t>2/10/2026</a:t>
             </a:fld>
             <a:endParaRPr lang="en-US"/>
           </a:p>
@@ -3069,10 +2857,9 @@
           <a:lstStyle/>
           <a:p>
             <a:r>
-              <a:rPr lang="en-US" smtClean="0"/>
+              <a:rPr lang="en-US"/>
               <a:t>Click to edit Master title style</a:t>
             </a:r>
-            <a:endParaRPr lang="en-US"/>
           </a:p>
         </p:txBody>
       </p:sp>
@@ -3093,38 +2880,37 @@
           <a:p>
             <a:pPr lvl="0"/>
             <a:r>
-              <a:rPr lang="en-US" smtClean="0"/>
+              <a:rPr lang="en-US"/>
               <a:t>Click to edit Master text styles</a:t>
             </a:r>
           </a:p>
           <a:p>
             <a:pPr lvl="1"/>
             <a:r>
-              <a:rPr lang="en-US" smtClean="0"/>
+              <a:rPr lang="en-US"/>
               <a:t>Second level</a:t>
             </a:r>
           </a:p>
           <a:p>
             <a:pPr lvl="2"/>
             <a:r>
-              <a:rPr lang="en-US" smtClean="0"/>
+              <a:rPr lang="en-US"/>
               <a:t>Third level</a:t>
             </a:r>
           </a:p>
           <a:p>
             <a:pPr lvl="3"/>
             <a:r>
-              <a:rPr lang="en-US" smtClean="0"/>
+              <a:rPr lang="en-US"/>
               <a:t>Fourth level</a:t>
             </a:r>
           </a:p>
           <a:p>
             <a:pPr lvl="4"/>
             <a:r>
-              <a:rPr lang="en-US" smtClean="0"/>
+              <a:rPr lang="en-US"/>
               <a:t>Fifth level</a:t>
             </a:r>
-            <a:endParaRPr lang="en-US"/>
           </a:p>
         </p:txBody>
       </p:sp>
@@ -3145,7 +2931,7 @@
           <a:p>
             <a:fld id="{5BCAD085-E8A6-8845-BD4E-CB4CCA059FC4}" type="datetimeFigureOut">
               <a:rPr lang="en-US" smtClean="0"/>
-              <a:t>1/27/13</a:t>
+              <a:t>2/10/2026</a:t>
             </a:fld>
             <a:endParaRPr lang="en-US"/>
           </a:p>
@@ -3248,10 +3034,9 @@
           </a:lstStyle>
           <a:p>
             <a:r>
-              <a:rPr lang="en-US" smtClean="0"/>
+              <a:rPr lang="en-US"/>
               <a:t>Click to edit Master title style</a:t>
             </a:r>
-            <a:endParaRPr lang="en-US"/>
           </a:p>
         </p:txBody>
       </p:sp>
@@ -3368,7 +3153,7 @@
           <a:p>
             <a:pPr lvl="0"/>
             <a:r>
-              <a:rPr lang="en-US" smtClean="0"/>
+              <a:rPr lang="en-US"/>
               <a:t>Click to edit Master text styles</a:t>
             </a:r>
           </a:p>
@@ -3391,7 +3176,7 @@
           <a:p>
             <a:fld id="{5BCAD085-E8A6-8845-BD4E-CB4CCA059FC4}" type="datetimeFigureOut">
               <a:rPr lang="en-US" smtClean="0"/>
-              <a:t>1/27/13</a:t>
+              <a:t>2/10/2026</a:t>
             </a:fld>
             <a:endParaRPr lang="en-US"/>
           </a:p>
@@ -3485,10 +3270,9 @@
           <a:lstStyle/>
           <a:p>
             <a:r>
-              <a:rPr lang="en-US" smtClean="0"/>
+              <a:rPr lang="en-US"/>
               <a:t>Click to edit Master title style</a:t>
             </a:r>
-            <a:endParaRPr lang="en-US"/>
           </a:p>
         </p:txBody>
       </p:sp>
@@ -3542,38 +3326,37 @@
           <a:p>
             <a:pPr lvl="0"/>
             <a:r>
-              <a:rPr lang="en-US" smtClean="0"/>
+              <a:rPr lang="en-US"/>
               <a:t>Click to edit Master text styles</a:t>
             </a:r>
           </a:p>
           <a:p>
             <a:pPr lvl="1"/>
             <a:r>
-              <a:rPr lang="en-US" smtClean="0"/>
+              <a:rPr lang="en-US"/>
               <a:t>Second level</a:t>
             </a:r>
           </a:p>
           <a:p>
             <a:pPr lvl="2"/>
             <a:r>
-              <a:rPr lang="en-US" smtClean="0"/>
+              <a:rPr lang="en-US"/>
               <a:t>Third level</a:t>
             </a:r>
           </a:p>
           <a:p>
             <a:pPr lvl="3"/>
             <a:r>
-              <a:rPr lang="en-US" smtClean="0"/>
+              <a:rPr lang="en-US"/>
               <a:t>Fourth level</a:t>
             </a:r>
           </a:p>
           <a:p>
             <a:pPr lvl="4"/>
             <a:r>
-              <a:rPr lang="en-US" smtClean="0"/>
+              <a:rPr lang="en-US"/>
               <a:t>Fifth level</a:t>
             </a:r>
-            <a:endParaRPr lang="en-US"/>
           </a:p>
         </p:txBody>
       </p:sp>
@@ -3627,38 +3410,37 @@
           <a:p>
             <a:pPr lvl="0"/>
             <a:r>
-              <a:rPr lang="en-US" smtClean="0"/>
+              <a:rPr lang="en-US"/>
               <a:t>Click to edit Master text styles</a:t>
             </a:r>
           </a:p>
           <a:p>
             <a:pPr lvl="1"/>
             <a:r>
-              <a:rPr lang="en-US" smtClean="0"/>
+              <a:rPr lang="en-US"/>
               <a:t>Second level</a:t>
             </a:r>
           </a:p>
           <a:p>
             <a:pPr lvl="2"/>
             <a:r>
-              <a:rPr lang="en-US" smtClean="0"/>
+              <a:rPr lang="en-US"/>
               <a:t>Third level</a:t>
             </a:r>
           </a:p>
           <a:p>
             <a:pPr lvl="3"/>
             <a:r>
-              <a:rPr lang="en-US" smtClean="0"/>
+              <a:rPr lang="en-US"/>
               <a:t>Fourth level</a:t>
             </a:r>
           </a:p>
           <a:p>
             <a:pPr lvl="4"/>
             <a:r>
-              <a:rPr lang="en-US" smtClean="0"/>
+              <a:rPr lang="en-US"/>
               <a:t>Fifth level</a:t>
             </a:r>
-            <a:endParaRPr lang="en-US"/>
           </a:p>
         </p:txBody>
       </p:sp>
@@ -3679,7 +3461,7 @@
           <a:p>
             <a:fld id="{5BCAD085-E8A6-8845-BD4E-CB4CCA059FC4}" type="datetimeFigureOut">
               <a:rPr lang="en-US" smtClean="0"/>
-              <a:t>1/27/13</a:t>
+              <a:t>2/10/2026</a:t>
             </a:fld>
             <a:endParaRPr lang="en-US"/>
           </a:p>
@@ -3777,10 +3559,9 @@
           </a:lstStyle>
           <a:p>
             <a:r>
-              <a:rPr lang="en-US" smtClean="0"/>
+              <a:rPr lang="en-US"/>
               <a:t>Click to edit Master title style</a:t>
             </a:r>
-            <a:endParaRPr lang="en-US"/>
           </a:p>
         </p:txBody>
       </p:sp>
@@ -3843,7 +3624,7 @@
           <a:p>
             <a:pPr lvl="0"/>
             <a:r>
-              <a:rPr lang="en-US" smtClean="0"/>
+              <a:rPr lang="en-US"/>
               <a:t>Click to edit Master text styles</a:t>
             </a:r>
           </a:p>
@@ -3899,38 +3680,37 @@
           <a:p>
             <a:pPr lvl="0"/>
             <a:r>
-              <a:rPr lang="en-US" smtClean="0"/>
+              <a:rPr lang="en-US"/>
               <a:t>Click to edit Master text styles</a:t>
             </a:r>
           </a:p>
           <a:p>
             <a:pPr lvl="1"/>
             <a:r>
-              <a:rPr lang="en-US" smtClean="0"/>
+              <a:rPr lang="en-US"/>
               <a:t>Second level</a:t>
             </a:r>
           </a:p>
           <a:p>
             <a:pPr lvl="2"/>
             <a:r>
-              <a:rPr lang="en-US" smtClean="0"/>
+              <a:rPr lang="en-US"/>
               <a:t>Third level</a:t>
             </a:r>
           </a:p>
           <a:p>
             <a:pPr lvl="3"/>
             <a:r>
-              <a:rPr lang="en-US" smtClean="0"/>
+              <a:rPr lang="en-US"/>
               <a:t>Fourth level</a:t>
             </a:r>
           </a:p>
           <a:p>
             <a:pPr lvl="4"/>
             <a:r>
-              <a:rPr lang="en-US" smtClean="0"/>
+              <a:rPr lang="en-US"/>
               <a:t>Fifth level</a:t>
             </a:r>
-            <a:endParaRPr lang="en-US"/>
           </a:p>
         </p:txBody>
       </p:sp>
@@ -3993,7 +3773,7 @@
           <a:p>
             <a:pPr lvl="0"/>
             <a:r>
-              <a:rPr lang="en-US" smtClean="0"/>
+              <a:rPr lang="en-US"/>
               <a:t>Click to edit Master text styles</a:t>
             </a:r>
           </a:p>
@@ -4049,38 +3829,37 @@
           <a:p>
             <a:pPr lvl="0"/>
             <a:r>
-              <a:rPr lang="en-US" smtClean="0"/>
+              <a:rPr lang="en-US"/>
               <a:t>Click to edit Master text styles</a:t>
             </a:r>
           </a:p>
           <a:p>
             <a:pPr lvl="1"/>
             <a:r>
-              <a:rPr lang="en-US" smtClean="0"/>
+              <a:rPr lang="en-US"/>
               <a:t>Second level</a:t>
             </a:r>
           </a:p>
           <a:p>
             <a:pPr lvl="2"/>
             <a:r>
-              <a:rPr lang="en-US" smtClean="0"/>
+              <a:rPr lang="en-US"/>
               <a:t>Third level</a:t>
             </a:r>
           </a:p>
           <a:p>
             <a:pPr lvl="3"/>
             <a:r>
-              <a:rPr lang="en-US" smtClean="0"/>
+              <a:rPr lang="en-US"/>
               <a:t>Fourth level</a:t>
             </a:r>
           </a:p>
           <a:p>
             <a:pPr lvl="4"/>
             <a:r>
-              <a:rPr lang="en-US" smtClean="0"/>
+              <a:rPr lang="en-US"/>
               <a:t>Fifth level</a:t>
             </a:r>
-            <a:endParaRPr lang="en-US"/>
           </a:p>
         </p:txBody>
       </p:sp>
@@ -4101,7 +3880,7 @@
           <a:p>
             <a:fld id="{5BCAD085-E8A6-8845-BD4E-CB4CCA059FC4}" type="datetimeFigureOut">
               <a:rPr lang="en-US" smtClean="0"/>
-              <a:t>1/27/13</a:t>
+              <a:t>2/10/2026</a:t>
             </a:fld>
             <a:endParaRPr lang="en-US"/>
           </a:p>
@@ -4195,10 +3974,9 @@
           <a:lstStyle/>
           <a:p>
             <a:r>
-              <a:rPr lang="en-US" smtClean="0"/>
+              <a:rPr lang="en-US"/>
               <a:t>Click to edit Master title style</a:t>
             </a:r>
-            <a:endParaRPr lang="en-US"/>
           </a:p>
         </p:txBody>
       </p:sp>
@@ -4219,7 +3997,7 @@
           <a:p>
             <a:fld id="{5BCAD085-E8A6-8845-BD4E-CB4CCA059FC4}" type="datetimeFigureOut">
               <a:rPr lang="en-US" smtClean="0"/>
-              <a:t>1/27/13</a:t>
+              <a:t>2/10/2026</a:t>
             </a:fld>
             <a:endParaRPr lang="en-US"/>
           </a:p>
@@ -4314,7 +4092,7 @@
           <a:p>
             <a:fld id="{5BCAD085-E8A6-8845-BD4E-CB4CCA059FC4}" type="datetimeFigureOut">
               <a:rPr lang="en-US" smtClean="0"/>
-              <a:t>1/27/13</a:t>
+              <a:t>2/10/2026</a:t>
             </a:fld>
             <a:endParaRPr lang="en-US"/>
           </a:p>
@@ -4417,10 +4195,9 @@
           </a:lstStyle>
           <a:p>
             <a:r>
-              <a:rPr lang="en-US" smtClean="0"/>
+              <a:rPr lang="en-US"/>
               <a:t>Click to edit Master title style</a:t>
             </a:r>
-            <a:endParaRPr lang="en-US"/>
           </a:p>
         </p:txBody>
       </p:sp>
@@ -4474,38 +4251,37 @@
           <a:p>
             <a:pPr lvl="0"/>
             <a:r>
-              <a:rPr lang="en-US" smtClean="0"/>
+              <a:rPr lang="en-US"/>
               <a:t>Click to edit Master text styles</a:t>
             </a:r>
           </a:p>
           <a:p>
             <a:pPr lvl="1"/>
             <a:r>
-              <a:rPr lang="en-US" smtClean="0"/>
+              <a:rPr lang="en-US"/>
               <a:t>Second level</a:t>
             </a:r>
           </a:p>
           <a:p>
             <a:pPr lvl="2"/>
             <a:r>
-              <a:rPr lang="en-US" smtClean="0"/>
+              <a:rPr lang="en-US"/>
               <a:t>Third level</a:t>
             </a:r>
           </a:p>
           <a:p>
             <a:pPr lvl="3"/>
             <a:r>
-              <a:rPr lang="en-US" smtClean="0"/>
+              <a:rPr lang="en-US"/>
               <a:t>Fourth level</a:t>
             </a:r>
           </a:p>
           <a:p>
             <a:pPr lvl="4"/>
             <a:r>
-              <a:rPr lang="en-US" smtClean="0"/>
+              <a:rPr lang="en-US"/>
               <a:t>Fifth level</a:t>
             </a:r>
-            <a:endParaRPr lang="en-US"/>
           </a:p>
         </p:txBody>
       </p:sp>
@@ -4568,7 +4344,7 @@
           <a:p>
             <a:pPr lvl="0"/>
             <a:r>
-              <a:rPr lang="en-US" smtClean="0"/>
+              <a:rPr lang="en-US"/>
               <a:t>Click to edit Master text styles</a:t>
             </a:r>
           </a:p>
@@ -4591,7 +4367,7 @@
           <a:p>
             <a:fld id="{5BCAD085-E8A6-8845-BD4E-CB4CCA059FC4}" type="datetimeFigureOut">
               <a:rPr lang="en-US" smtClean="0"/>
-              <a:t>1/27/13</a:t>
+              <a:t>2/10/2026</a:t>
             </a:fld>
             <a:endParaRPr lang="en-US"/>
           </a:p>
@@ -4694,10 +4470,9 @@
           </a:lstStyle>
           <a:p>
             <a:r>
-              <a:rPr lang="en-US" smtClean="0"/>
+              <a:rPr lang="en-US"/>
               <a:t>Click to edit Master title style</a:t>
             </a:r>
-            <a:endParaRPr lang="en-US"/>
           </a:p>
         </p:txBody>
       </p:sp>
@@ -4821,7 +4596,7 @@
           <a:p>
             <a:pPr lvl="0"/>
             <a:r>
-              <a:rPr lang="en-US" smtClean="0"/>
+              <a:rPr lang="en-US"/>
               <a:t>Click to edit Master text styles</a:t>
             </a:r>
           </a:p>
@@ -4844,7 +4619,7 @@
           <a:p>
             <a:fld id="{5BCAD085-E8A6-8845-BD4E-CB4CCA059FC4}" type="datetimeFigureOut">
               <a:rPr lang="en-US" smtClean="0"/>
-              <a:t>1/27/13</a:t>
+              <a:t>2/10/2026</a:t>
             </a:fld>
             <a:endParaRPr lang="en-US"/>
           </a:p>
@@ -4953,10 +4728,9 @@
           <a:lstStyle/>
           <a:p>
             <a:r>
-              <a:rPr lang="en-US" smtClean="0"/>
+              <a:rPr lang="en-US"/>
               <a:t>Click to edit Master title style</a:t>
             </a:r>
-            <a:endParaRPr lang="en-US"/>
           </a:p>
         </p:txBody>
       </p:sp>
@@ -4987,38 +4761,37 @@
           <a:p>
             <a:pPr lvl="0"/>
             <a:r>
-              <a:rPr lang="en-US" smtClean="0"/>
+              <a:rPr lang="en-US"/>
               <a:t>Click to edit Master text styles</a:t>
             </a:r>
           </a:p>
           <a:p>
             <a:pPr lvl="1"/>
             <a:r>
-              <a:rPr lang="en-US" smtClean="0"/>
+              <a:rPr lang="en-US"/>
               <a:t>Second level</a:t>
             </a:r>
           </a:p>
           <a:p>
             <a:pPr lvl="2"/>
             <a:r>
-              <a:rPr lang="en-US" smtClean="0"/>
+              <a:rPr lang="en-US"/>
               <a:t>Third level</a:t>
             </a:r>
           </a:p>
           <a:p>
             <a:pPr lvl="3"/>
             <a:r>
-              <a:rPr lang="en-US" smtClean="0"/>
+              <a:rPr lang="en-US"/>
               <a:t>Fourth level</a:t>
             </a:r>
           </a:p>
           <a:p>
             <a:pPr lvl="4"/>
             <a:r>
-              <a:rPr lang="en-US" smtClean="0"/>
+              <a:rPr lang="en-US"/>
               <a:t>Fifth level</a:t>
             </a:r>
-            <a:endParaRPr lang="en-US"/>
           </a:p>
         </p:txBody>
       </p:sp>
@@ -5057,7 +4830,7 @@
           <a:p>
             <a:fld id="{5BCAD085-E8A6-8845-BD4E-CB4CCA059FC4}" type="datetimeFigureOut">
               <a:rPr lang="en-US" smtClean="0"/>
-              <a:t>1/27/13</a:t>
+              <a:t>2/10/2026</a:t>
             </a:fld>
             <a:endParaRPr lang="en-US"/>
           </a:p>
@@ -5416,7 +5189,7 @@
 </file>
 
 <file path=ppt/slides/slide1.xml><?xml version="1.0" encoding="utf-8"?>
-<p:sld xmlns:a="http://schemas.openxmlformats.org/drawingml/2006/main" xmlns:p="http://schemas.openxmlformats.org/presentationml/2006/main" xmlns:r="http://schemas.openxmlformats.org/officeDocument/2006/relationships">
+<p:sld xmlns:a="http://schemas.openxmlformats.org/drawingml/2006/main" xmlns:r="http://schemas.openxmlformats.org/officeDocument/2006/relationships" xmlns:p="http://schemas.openxmlformats.org/presentationml/2006/main">
   <p:cSld>
     <p:bg>
       <p:bgPr>
@@ -5432,7 +5205,14 @@
         <p:cNvGrpSpPr/>
         <p:nvPr/>
       </p:nvGrpSpPr>
-      <p:grpSpPr/>
+      <p:grpSpPr>
+        <a:xfrm>
+          <a:off x="0" y="0"/>
+          <a:ext cx="0" cy="0"/>
+          <a:chOff x="0" y="0"/>
+          <a:chExt cx="0" cy="0"/>
+        </a:xfrm>
+      </p:grpSpPr>
       <p:sp>
         <p:nvSpPr>
           <p:cNvPr id="2" name="Rectangle 1"/>
@@ -5473,6 +5253,7 @@
           <a:lstStyle/>
           <a:p>
             <a:pPr algn="ctr"/>
+            <a:endParaRPr/>
           </a:p>
         </p:txBody>
       </p:sp>
@@ -5516,6 +5297,7 @@
           <a:lstStyle/>
           <a:p>
             <a:pPr algn="ctr"/>
+            <a:endParaRPr/>
           </a:p>
         </p:txBody>
       </p:sp>
@@ -5707,6 +5489,7 @@
           <a:lstStyle/>
           <a:p>
             <a:pPr algn="ctr"/>
+            <a:endParaRPr/>
           </a:p>
         </p:txBody>
       </p:sp>
@@ -5719,7 +5502,7 @@
 </file>
 
 <file path=ppt/slides/slide10.xml><?xml version="1.0" encoding="utf-8"?>
-<p:sld xmlns:a="http://schemas.openxmlformats.org/drawingml/2006/main" xmlns:p="http://schemas.openxmlformats.org/presentationml/2006/main" xmlns:r="http://schemas.openxmlformats.org/officeDocument/2006/relationships">
+<p:sld xmlns:a="http://schemas.openxmlformats.org/drawingml/2006/main" xmlns:r="http://schemas.openxmlformats.org/officeDocument/2006/relationships" xmlns:p="http://schemas.openxmlformats.org/presentationml/2006/main">
   <p:cSld>
     <p:bg>
       <p:bgPr>
@@ -5735,7 +5518,14 @@
         <p:cNvGrpSpPr/>
         <p:nvPr/>
       </p:nvGrpSpPr>
-      <p:grpSpPr/>
+      <p:grpSpPr>
+        <a:xfrm>
+          <a:off x="0" y="0"/>
+          <a:ext cx="0" cy="0"/>
+          <a:chOff x="0" y="0"/>
+          <a:chExt cx="0" cy="0"/>
+        </a:xfrm>
+      </p:grpSpPr>
       <p:sp>
         <p:nvSpPr>
           <p:cNvPr id="2" name="Rectangle 1"/>
@@ -5776,6 +5566,7 @@
           <a:lstStyle/>
           <a:p>
             <a:pPr algn="ctr"/>
+            <a:endParaRPr/>
           </a:p>
         </p:txBody>
       </p:sp>
@@ -5858,6 +5649,7 @@
           <a:lstStyle/>
           <a:p>
             <a:pPr algn="ctr"/>
+            <a:endParaRPr/>
           </a:p>
         </p:txBody>
       </p:sp>
@@ -5901,6 +5693,7 @@
           <a:lstStyle/>
           <a:p>
             <a:pPr algn="ctr"/>
+            <a:endParaRPr/>
           </a:p>
         </p:txBody>
       </p:sp>
@@ -6019,6 +5812,7 @@
           <a:lstStyle/>
           <a:p>
             <a:pPr algn="ctr"/>
+            <a:endParaRPr/>
           </a:p>
         </p:txBody>
       </p:sp>
@@ -6062,6 +5856,7 @@
           <a:lstStyle/>
           <a:p>
             <a:pPr algn="ctr"/>
+            <a:endParaRPr/>
           </a:p>
         </p:txBody>
       </p:sp>
@@ -6247,6 +6042,7 @@
           <a:lstStyle/>
           <a:p>
             <a:pPr algn="ctr"/>
+            <a:endParaRPr/>
           </a:p>
         </p:txBody>
       </p:sp>
@@ -6290,6 +6086,7 @@
           <a:lstStyle/>
           <a:p>
             <a:pPr algn="ctr"/>
+            <a:endParaRPr/>
           </a:p>
         </p:txBody>
       </p:sp>
@@ -6472,6 +6269,7 @@
           <a:lstStyle/>
           <a:p>
             <a:pPr algn="ctr"/>
+            <a:endParaRPr/>
           </a:p>
         </p:txBody>
       </p:sp>
@@ -6556,7 +6354,7 @@
 </file>
 
 <file path=ppt/slides/slide11.xml><?xml version="1.0" encoding="utf-8"?>
-<p:sld xmlns:a="http://schemas.openxmlformats.org/drawingml/2006/main" xmlns:p="http://schemas.openxmlformats.org/presentationml/2006/main" xmlns:r="http://schemas.openxmlformats.org/officeDocument/2006/relationships">
+<p:sld xmlns:a="http://schemas.openxmlformats.org/drawingml/2006/main" xmlns:r="http://schemas.openxmlformats.org/officeDocument/2006/relationships" xmlns:p="http://schemas.openxmlformats.org/presentationml/2006/main">
   <p:cSld>
     <p:bg>
       <p:bgPr>
@@ -6572,7 +6370,14 @@
         <p:cNvGrpSpPr/>
         <p:nvPr/>
       </p:nvGrpSpPr>
-      <p:grpSpPr/>
+      <p:grpSpPr>
+        <a:xfrm>
+          <a:off x="0" y="0"/>
+          <a:ext cx="0" cy="0"/>
+          <a:chOff x="0" y="0"/>
+          <a:chExt cx="0" cy="0"/>
+        </a:xfrm>
+      </p:grpSpPr>
       <p:sp>
         <p:nvSpPr>
           <p:cNvPr id="2" name="Rectangle 1"/>
@@ -6613,6 +6418,7 @@
           <a:lstStyle/>
           <a:p>
             <a:pPr algn="ctr"/>
+            <a:endParaRPr/>
           </a:p>
         </p:txBody>
       </p:sp>
@@ -6731,6 +6537,7 @@
           <a:lstStyle/>
           <a:p>
             <a:pPr algn="ctr"/>
+            <a:endParaRPr/>
           </a:p>
         </p:txBody>
       </p:sp>
@@ -6774,6 +6581,7 @@
           <a:lstStyle/>
           <a:p>
             <a:pPr algn="ctr"/>
+            <a:endParaRPr/>
           </a:p>
         </p:txBody>
       </p:sp>
@@ -6959,6 +6767,7 @@
           <a:lstStyle/>
           <a:p>
             <a:pPr algn="ctr"/>
+            <a:endParaRPr/>
           </a:p>
         </p:txBody>
       </p:sp>
@@ -7002,6 +6811,7 @@
           <a:lstStyle/>
           <a:p>
             <a:pPr algn="ctr"/>
+            <a:endParaRPr/>
           </a:p>
         </p:txBody>
       </p:sp>
@@ -7186,6 +6996,7 @@
           <a:lstStyle/>
           <a:p>
             <a:pPr algn="ctr"/>
+            <a:endParaRPr/>
           </a:p>
         </p:txBody>
       </p:sp>
@@ -7265,6 +7076,7 @@
           <a:lstStyle/>
           <a:p>
             <a:pPr algn="ctr"/>
+            <a:endParaRPr/>
           </a:p>
         </p:txBody>
       </p:sp>
@@ -7349,7 +7161,7 @@
 </file>
 
 <file path=ppt/slides/slide12.xml><?xml version="1.0" encoding="utf-8"?>
-<p:sld xmlns:a="http://schemas.openxmlformats.org/drawingml/2006/main" xmlns:p="http://schemas.openxmlformats.org/presentationml/2006/main" xmlns:r="http://schemas.openxmlformats.org/officeDocument/2006/relationships">
+<p:sld xmlns:a="http://schemas.openxmlformats.org/drawingml/2006/main" xmlns:r="http://schemas.openxmlformats.org/officeDocument/2006/relationships" xmlns:p="http://schemas.openxmlformats.org/presentationml/2006/main">
   <p:cSld>
     <p:bg>
       <p:bgPr>
@@ -7365,7 +7177,14 @@
         <p:cNvGrpSpPr/>
         <p:nvPr/>
       </p:nvGrpSpPr>
-      <p:grpSpPr/>
+      <p:grpSpPr>
+        <a:xfrm>
+          <a:off x="0" y="0"/>
+          <a:ext cx="0" cy="0"/>
+          <a:chOff x="0" y="0"/>
+          <a:chExt cx="0" cy="0"/>
+        </a:xfrm>
+      </p:grpSpPr>
       <p:sp>
         <p:nvSpPr>
           <p:cNvPr id="2" name="Rectangle 1"/>
@@ -7406,6 +7225,7 @@
           <a:lstStyle/>
           <a:p>
             <a:pPr algn="ctr"/>
+            <a:endParaRPr/>
           </a:p>
         </p:txBody>
       </p:sp>
@@ -7488,6 +7308,7 @@
           <a:lstStyle/>
           <a:p>
             <a:pPr algn="ctr"/>
+            <a:endParaRPr/>
           </a:p>
         </p:txBody>
       </p:sp>
@@ -7531,6 +7352,7 @@
           <a:lstStyle/>
           <a:p>
             <a:pPr algn="ctr"/>
+            <a:endParaRPr/>
           </a:p>
         </p:txBody>
       </p:sp>
@@ -7716,6 +7538,7 @@
           <a:lstStyle/>
           <a:p>
             <a:pPr algn="ctr"/>
+            <a:endParaRPr/>
           </a:p>
         </p:txBody>
       </p:sp>
@@ -7759,6 +7582,7 @@
           <a:lstStyle/>
           <a:p>
             <a:pPr algn="ctr"/>
+            <a:endParaRPr/>
           </a:p>
         </p:txBody>
       </p:sp>
@@ -7943,6 +7767,7 @@
           <a:lstStyle/>
           <a:p>
             <a:pPr algn="ctr"/>
+            <a:endParaRPr/>
           </a:p>
         </p:txBody>
       </p:sp>
@@ -8022,6 +7847,7 @@
           <a:lstStyle/>
           <a:p>
             <a:pPr algn="ctr"/>
+            <a:endParaRPr/>
           </a:p>
         </p:txBody>
       </p:sp>
@@ -8106,7 +7932,7 @@
 </file>
 
 <file path=ppt/slides/slide13.xml><?xml version="1.0" encoding="utf-8"?>
-<p:sld xmlns:a="http://schemas.openxmlformats.org/drawingml/2006/main" xmlns:p="http://schemas.openxmlformats.org/presentationml/2006/main" xmlns:r="http://schemas.openxmlformats.org/officeDocument/2006/relationships">
+<p:sld xmlns:a="http://schemas.openxmlformats.org/drawingml/2006/main" xmlns:r="http://schemas.openxmlformats.org/officeDocument/2006/relationships" xmlns:p="http://schemas.openxmlformats.org/presentationml/2006/main">
   <p:cSld>
     <p:bg>
       <p:bgPr>
@@ -8122,7 +7948,14 @@
         <p:cNvGrpSpPr/>
         <p:nvPr/>
       </p:nvGrpSpPr>
-      <p:grpSpPr/>
+      <p:grpSpPr>
+        <a:xfrm>
+          <a:off x="0" y="0"/>
+          <a:ext cx="0" cy="0"/>
+          <a:chOff x="0" y="0"/>
+          <a:chExt cx="0" cy="0"/>
+        </a:xfrm>
+      </p:grpSpPr>
       <p:sp>
         <p:nvSpPr>
           <p:cNvPr id="2" name="Rectangle 1"/>
@@ -8163,6 +7996,7 @@
           <a:lstStyle/>
           <a:p>
             <a:pPr algn="ctr"/>
+            <a:endParaRPr/>
           </a:p>
         </p:txBody>
       </p:sp>
@@ -8245,6 +8079,7 @@
           <a:lstStyle/>
           <a:p>
             <a:pPr algn="ctr"/>
+            <a:endParaRPr/>
           </a:p>
         </p:txBody>
       </p:sp>
@@ -8288,6 +8123,7 @@
           <a:lstStyle/>
           <a:p>
             <a:pPr algn="ctr"/>
+            <a:endParaRPr/>
           </a:p>
         </p:txBody>
       </p:sp>
@@ -8815,6 +8651,7 @@
           <a:lstStyle/>
           <a:p>
             <a:pPr algn="ctr"/>
+            <a:endParaRPr/>
           </a:p>
         </p:txBody>
       </p:sp>
@@ -8899,7 +8736,7 @@
 </file>
 
 <file path=ppt/slides/slide14.xml><?xml version="1.0" encoding="utf-8"?>
-<p:sld xmlns:a="http://schemas.openxmlformats.org/drawingml/2006/main" xmlns:p="http://schemas.openxmlformats.org/presentationml/2006/main" xmlns:r="http://schemas.openxmlformats.org/officeDocument/2006/relationships">
+<p:sld xmlns:a="http://schemas.openxmlformats.org/drawingml/2006/main" xmlns:r="http://schemas.openxmlformats.org/officeDocument/2006/relationships" xmlns:p="http://schemas.openxmlformats.org/presentationml/2006/main">
   <p:cSld>
     <p:bg>
       <p:bgPr>
@@ -8915,7 +8752,14 @@
         <p:cNvGrpSpPr/>
         <p:nvPr/>
       </p:nvGrpSpPr>
-      <p:grpSpPr/>
+      <p:grpSpPr>
+        <a:xfrm>
+          <a:off x="0" y="0"/>
+          <a:ext cx="0" cy="0"/>
+          <a:chOff x="0" y="0"/>
+          <a:chExt cx="0" cy="0"/>
+        </a:xfrm>
+      </p:grpSpPr>
       <p:sp>
         <p:nvSpPr>
           <p:cNvPr id="2" name="Rectangle 1"/>
@@ -8956,6 +8800,7 @@
           <a:lstStyle/>
           <a:p>
             <a:pPr algn="ctr"/>
+            <a:endParaRPr/>
           </a:p>
         </p:txBody>
       </p:sp>
@@ -9035,6 +8880,7 @@
           <a:lstStyle/>
           <a:p>
             <a:pPr algn="ctr"/>
+            <a:endParaRPr/>
           </a:p>
         </p:txBody>
       </p:sp>
@@ -9114,6 +8960,7 @@
           <a:lstStyle/>
           <a:p>
             <a:pPr algn="ctr"/>
+            <a:endParaRPr/>
           </a:p>
         </p:txBody>
       </p:sp>
@@ -9193,6 +9040,7 @@
           <a:lstStyle/>
           <a:p>
             <a:pPr algn="ctr"/>
+            <a:endParaRPr/>
           </a:p>
         </p:txBody>
       </p:sp>
@@ -9272,6 +9120,7 @@
           <a:lstStyle/>
           <a:p>
             <a:pPr algn="ctr"/>
+            <a:endParaRPr/>
           </a:p>
         </p:txBody>
       </p:sp>
@@ -9353,6 +9202,7 @@
           <a:lstStyle/>
           <a:p>
             <a:pPr algn="ctr"/>
+            <a:endParaRPr/>
           </a:p>
         </p:txBody>
       </p:sp>
@@ -9434,6 +9284,7 @@
           <a:lstStyle/>
           <a:p>
             <a:pPr algn="ctr"/>
+            <a:endParaRPr/>
           </a:p>
         </p:txBody>
       </p:sp>
@@ -9515,6 +9366,7 @@
           <a:lstStyle/>
           <a:p>
             <a:pPr algn="ctr"/>
+            <a:endParaRPr/>
           </a:p>
         </p:txBody>
       </p:sp>
@@ -9596,6 +9448,7 @@
           <a:lstStyle/>
           <a:p>
             <a:pPr algn="ctr"/>
+            <a:endParaRPr/>
           </a:p>
         </p:txBody>
       </p:sp>
@@ -9677,6 +9530,7 @@
           <a:lstStyle/>
           <a:p>
             <a:pPr algn="ctr"/>
+            <a:endParaRPr/>
           </a:p>
         </p:txBody>
       </p:sp>
@@ -9758,6 +9612,7 @@
           <a:lstStyle/>
           <a:p>
             <a:pPr algn="ctr"/>
+            <a:endParaRPr/>
           </a:p>
         </p:txBody>
       </p:sp>
@@ -9839,6 +9694,7 @@
           <a:lstStyle/>
           <a:p>
             <a:pPr algn="ctr"/>
+            <a:endParaRPr/>
           </a:p>
         </p:txBody>
       </p:sp>
@@ -9920,6 +9776,7 @@
           <a:lstStyle/>
           <a:p>
             <a:pPr algn="ctr"/>
+            <a:endParaRPr/>
           </a:p>
         </p:txBody>
       </p:sp>
@@ -10001,6 +9858,7 @@
           <a:lstStyle/>
           <a:p>
             <a:pPr algn="ctr"/>
+            <a:endParaRPr/>
           </a:p>
         </p:txBody>
       </p:sp>
@@ -10082,6 +9940,7 @@
           <a:lstStyle/>
           <a:p>
             <a:pPr algn="ctr"/>
+            <a:endParaRPr/>
           </a:p>
         </p:txBody>
       </p:sp>
@@ -10163,6 +10022,7 @@
           <a:lstStyle/>
           <a:p>
             <a:pPr algn="ctr"/>
+            <a:endParaRPr/>
           </a:p>
         </p:txBody>
       </p:sp>
@@ -10244,6 +10104,7 @@
           <a:lstStyle/>
           <a:p>
             <a:pPr algn="ctr"/>
+            <a:endParaRPr/>
           </a:p>
         </p:txBody>
       </p:sp>
@@ -10325,6 +10186,7 @@
           <a:lstStyle/>
           <a:p>
             <a:pPr algn="ctr"/>
+            <a:endParaRPr/>
           </a:p>
         </p:txBody>
       </p:sp>
@@ -10406,6 +10268,7 @@
           <a:lstStyle/>
           <a:p>
             <a:pPr algn="ctr"/>
+            <a:endParaRPr/>
           </a:p>
         </p:txBody>
       </p:sp>
@@ -10487,6 +10350,7 @@
           <a:lstStyle/>
           <a:p>
             <a:pPr algn="ctr"/>
+            <a:endParaRPr/>
           </a:p>
         </p:txBody>
       </p:sp>
@@ -10568,6 +10432,7 @@
           <a:lstStyle/>
           <a:p>
             <a:pPr algn="ctr"/>
+            <a:endParaRPr/>
           </a:p>
         </p:txBody>
       </p:sp>
@@ -10649,6 +10514,7 @@
           <a:lstStyle/>
           <a:p>
             <a:pPr algn="ctr"/>
+            <a:endParaRPr/>
           </a:p>
         </p:txBody>
       </p:sp>
@@ -10730,6 +10596,7 @@
           <a:lstStyle/>
           <a:p>
             <a:pPr algn="ctr"/>
+            <a:endParaRPr/>
           </a:p>
         </p:txBody>
       </p:sp>
@@ -10815,6 +10682,7 @@
           <a:lstStyle/>
           <a:p>
             <a:pPr algn="ctr"/>
+            <a:endParaRPr/>
           </a:p>
         </p:txBody>
       </p:sp>
@@ -10900,6 +10768,7 @@
           <a:lstStyle/>
           <a:p>
             <a:pPr algn="ctr"/>
+            <a:endParaRPr/>
           </a:p>
         </p:txBody>
       </p:sp>
@@ -10981,6 +10850,7 @@
           <a:lstStyle/>
           <a:p>
             <a:pPr algn="ctr"/>
+            <a:endParaRPr/>
           </a:p>
         </p:txBody>
       </p:sp>
@@ -11062,6 +10932,7 @@
           <a:lstStyle/>
           <a:p>
             <a:pPr algn="ctr"/>
+            <a:endParaRPr/>
           </a:p>
         </p:txBody>
       </p:sp>
@@ -11143,6 +11014,7 @@
           <a:lstStyle/>
           <a:p>
             <a:pPr algn="ctr"/>
+            <a:endParaRPr/>
           </a:p>
         </p:txBody>
       </p:sp>
@@ -11224,6 +11096,7 @@
           <a:lstStyle/>
           <a:p>
             <a:pPr algn="ctr"/>
+            <a:endParaRPr/>
           </a:p>
         </p:txBody>
       </p:sp>
@@ -11303,6 +11176,7 @@
           <a:lstStyle/>
           <a:p>
             <a:pPr algn="ctr"/>
+            <a:endParaRPr/>
           </a:p>
         </p:txBody>
       </p:sp>
@@ -11387,7 +11261,7 @@
 </file>
 
 <file path=ppt/slides/slide15.xml><?xml version="1.0" encoding="utf-8"?>
-<p:sld xmlns:a="http://schemas.openxmlformats.org/drawingml/2006/main" xmlns:p="http://schemas.openxmlformats.org/presentationml/2006/main" xmlns:r="http://schemas.openxmlformats.org/officeDocument/2006/relationships">
+<p:sld xmlns:a="http://schemas.openxmlformats.org/drawingml/2006/main" xmlns:r="http://schemas.openxmlformats.org/officeDocument/2006/relationships" xmlns:p="http://schemas.openxmlformats.org/presentationml/2006/main">
   <p:cSld>
     <p:bg>
       <p:bgPr>
@@ -11403,7 +11277,14 @@
         <p:cNvGrpSpPr/>
         <p:nvPr/>
       </p:nvGrpSpPr>
-      <p:grpSpPr/>
+      <p:grpSpPr>
+        <a:xfrm>
+          <a:off x="0" y="0"/>
+          <a:ext cx="0" cy="0"/>
+          <a:chOff x="0" y="0"/>
+          <a:chExt cx="0" cy="0"/>
+        </a:xfrm>
+      </p:grpSpPr>
       <p:sp>
         <p:nvSpPr>
           <p:cNvPr id="2" name="Rectangle 1"/>
@@ -11444,6 +11325,7 @@
           <a:lstStyle/>
           <a:p>
             <a:pPr algn="ctr"/>
+            <a:endParaRPr/>
           </a:p>
         </p:txBody>
       </p:sp>
@@ -11564,7 +11446,7 @@
 </file>
 
 <file path=ppt/slides/slide16.xml><?xml version="1.0" encoding="utf-8"?>
-<p:sld xmlns:a="http://schemas.openxmlformats.org/drawingml/2006/main" xmlns:p="http://schemas.openxmlformats.org/presentationml/2006/main" xmlns:r="http://schemas.openxmlformats.org/officeDocument/2006/relationships">
+<p:sld xmlns:a="http://schemas.openxmlformats.org/drawingml/2006/main" xmlns:r="http://schemas.openxmlformats.org/officeDocument/2006/relationships" xmlns:p="http://schemas.openxmlformats.org/presentationml/2006/main">
   <p:cSld>
     <p:bg>
       <p:bgPr>
@@ -11580,7 +11462,14 @@
         <p:cNvGrpSpPr/>
         <p:nvPr/>
       </p:nvGrpSpPr>
-      <p:grpSpPr/>
+      <p:grpSpPr>
+        <a:xfrm>
+          <a:off x="0" y="0"/>
+          <a:ext cx="0" cy="0"/>
+          <a:chOff x="0" y="0"/>
+          <a:chExt cx="0" cy="0"/>
+        </a:xfrm>
+      </p:grpSpPr>
       <p:sp>
         <p:nvSpPr>
           <p:cNvPr id="2" name="Rectangle 1"/>
@@ -11621,6 +11510,7 @@
           <a:lstStyle/>
           <a:p>
             <a:pPr algn="ctr"/>
+            <a:endParaRPr/>
           </a:p>
         </p:txBody>
       </p:sp>
@@ -11739,6 +11629,7 @@
           <a:lstStyle/>
           <a:p>
             <a:pPr algn="ctr"/>
+            <a:endParaRPr/>
           </a:p>
         </p:txBody>
       </p:sp>
@@ -11782,6 +11673,7 @@
           <a:lstStyle/>
           <a:p>
             <a:pPr algn="ctr"/>
+            <a:endParaRPr/>
           </a:p>
         </p:txBody>
       </p:sp>
@@ -12003,6 +11895,7 @@
           <a:lstStyle/>
           <a:p>
             <a:pPr algn="ctr"/>
+            <a:endParaRPr/>
           </a:p>
         </p:txBody>
       </p:sp>
@@ -12046,6 +11939,7 @@
           <a:lstStyle/>
           <a:p>
             <a:pPr algn="ctr"/>
+            <a:endParaRPr/>
           </a:p>
         </p:txBody>
       </p:sp>
@@ -12230,6 +12124,7 @@
           <a:lstStyle/>
           <a:p>
             <a:pPr algn="ctr"/>
+            <a:endParaRPr/>
           </a:p>
         </p:txBody>
       </p:sp>
@@ -12309,6 +12204,7 @@
           <a:lstStyle/>
           <a:p>
             <a:pPr algn="ctr"/>
+            <a:endParaRPr/>
           </a:p>
         </p:txBody>
       </p:sp>
@@ -12393,7 +12289,7 @@
 </file>
 
 <file path=ppt/slides/slide17.xml><?xml version="1.0" encoding="utf-8"?>
-<p:sld xmlns:a="http://schemas.openxmlformats.org/drawingml/2006/main" xmlns:p="http://schemas.openxmlformats.org/presentationml/2006/main" xmlns:r="http://schemas.openxmlformats.org/officeDocument/2006/relationships">
+<p:sld xmlns:a="http://schemas.openxmlformats.org/drawingml/2006/main" xmlns:r="http://schemas.openxmlformats.org/officeDocument/2006/relationships" xmlns:p="http://schemas.openxmlformats.org/presentationml/2006/main">
   <p:cSld>
     <p:bg>
       <p:bgPr>
@@ -12409,7 +12305,14 @@
         <p:cNvGrpSpPr/>
         <p:nvPr/>
       </p:nvGrpSpPr>
-      <p:grpSpPr/>
+      <p:grpSpPr>
+        <a:xfrm>
+          <a:off x="0" y="0"/>
+          <a:ext cx="0" cy="0"/>
+          <a:chOff x="0" y="0"/>
+          <a:chExt cx="0" cy="0"/>
+        </a:xfrm>
+      </p:grpSpPr>
       <p:sp>
         <p:nvSpPr>
           <p:cNvPr id="2" name="Rectangle 1"/>
@@ -12450,6 +12353,7 @@
           <a:lstStyle/>
           <a:p>
             <a:pPr algn="ctr"/>
+            <a:endParaRPr/>
           </a:p>
         </p:txBody>
       </p:sp>
@@ -12529,6 +12433,7 @@
           <a:lstStyle/>
           <a:p>
             <a:pPr algn="ctr"/>
+            <a:endParaRPr/>
           </a:p>
         </p:txBody>
       </p:sp>
@@ -12608,6 +12513,7 @@
           <a:lstStyle/>
           <a:p>
             <a:pPr algn="ctr"/>
+            <a:endParaRPr/>
           </a:p>
         </p:txBody>
       </p:sp>
@@ -12687,6 +12593,7 @@
           <a:lstStyle/>
           <a:p>
             <a:pPr algn="ctr"/>
+            <a:endParaRPr/>
           </a:p>
         </p:txBody>
       </p:sp>
@@ -12766,6 +12673,7 @@
           <a:lstStyle/>
           <a:p>
             <a:pPr algn="ctr"/>
+            <a:endParaRPr/>
           </a:p>
         </p:txBody>
       </p:sp>
@@ -12845,6 +12753,7 @@
           <a:lstStyle/>
           <a:p>
             <a:pPr algn="ctr"/>
+            <a:endParaRPr/>
           </a:p>
         </p:txBody>
       </p:sp>
@@ -12924,6 +12833,7 @@
           <a:lstStyle/>
           <a:p>
             <a:pPr algn="ctr"/>
+            <a:endParaRPr/>
           </a:p>
         </p:txBody>
       </p:sp>
@@ -13005,6 +12915,7 @@
           <a:lstStyle/>
           <a:p>
             <a:pPr algn="ctr"/>
+            <a:endParaRPr/>
           </a:p>
         </p:txBody>
       </p:sp>
@@ -13086,6 +12997,7 @@
           <a:lstStyle/>
           <a:p>
             <a:pPr algn="ctr"/>
+            <a:endParaRPr/>
           </a:p>
         </p:txBody>
       </p:sp>
@@ -13167,6 +13079,7 @@
           <a:lstStyle/>
           <a:p>
             <a:pPr algn="ctr"/>
+            <a:endParaRPr/>
           </a:p>
         </p:txBody>
       </p:sp>
@@ -13248,6 +13161,7 @@
           <a:lstStyle/>
           <a:p>
             <a:pPr algn="ctr"/>
+            <a:endParaRPr/>
           </a:p>
         </p:txBody>
       </p:sp>
@@ -13329,6 +13243,7 @@
           <a:lstStyle/>
           <a:p>
             <a:pPr algn="ctr"/>
+            <a:endParaRPr/>
           </a:p>
         </p:txBody>
       </p:sp>
@@ -13410,6 +13325,7 @@
           <a:lstStyle/>
           <a:p>
             <a:pPr algn="ctr"/>
+            <a:endParaRPr/>
           </a:p>
         </p:txBody>
       </p:sp>
@@ -13491,6 +13407,7 @@
           <a:lstStyle/>
           <a:p>
             <a:pPr algn="ctr"/>
+            <a:endParaRPr/>
           </a:p>
         </p:txBody>
       </p:sp>
@@ -13572,6 +13489,7 @@
           <a:lstStyle/>
           <a:p>
             <a:pPr algn="ctr"/>
+            <a:endParaRPr/>
           </a:p>
         </p:txBody>
       </p:sp>
@@ -13653,6 +13571,7 @@
           <a:lstStyle/>
           <a:p>
             <a:pPr algn="ctr"/>
+            <a:endParaRPr/>
           </a:p>
         </p:txBody>
       </p:sp>
@@ -13734,6 +13653,7 @@
           <a:lstStyle/>
           <a:p>
             <a:pPr algn="ctr"/>
+            <a:endParaRPr/>
           </a:p>
         </p:txBody>
       </p:sp>
@@ -13815,6 +13735,7 @@
           <a:lstStyle/>
           <a:p>
             <a:pPr algn="ctr"/>
+            <a:endParaRPr/>
           </a:p>
         </p:txBody>
       </p:sp>
@@ -13896,6 +13817,7 @@
           <a:lstStyle/>
           <a:p>
             <a:pPr algn="ctr"/>
+            <a:endParaRPr/>
           </a:p>
         </p:txBody>
       </p:sp>
@@ -13977,6 +13899,7 @@
           <a:lstStyle/>
           <a:p>
             <a:pPr algn="ctr"/>
+            <a:endParaRPr/>
           </a:p>
         </p:txBody>
       </p:sp>
@@ -14058,6 +13981,7 @@
           <a:lstStyle/>
           <a:p>
             <a:pPr algn="ctr"/>
+            <a:endParaRPr/>
           </a:p>
         </p:txBody>
       </p:sp>
@@ -14139,6 +14063,7 @@
           <a:lstStyle/>
           <a:p>
             <a:pPr algn="ctr"/>
+            <a:endParaRPr/>
           </a:p>
         </p:txBody>
       </p:sp>
@@ -14220,6 +14145,7 @@
           <a:lstStyle/>
           <a:p>
             <a:pPr algn="ctr"/>
+            <a:endParaRPr/>
           </a:p>
         </p:txBody>
       </p:sp>
@@ -14301,6 +14227,7 @@
           <a:lstStyle/>
           <a:p>
             <a:pPr algn="ctr"/>
+            <a:endParaRPr/>
           </a:p>
         </p:txBody>
       </p:sp>
@@ -14382,6 +14309,7 @@
           <a:lstStyle/>
           <a:p>
             <a:pPr algn="ctr"/>
+            <a:endParaRPr/>
           </a:p>
         </p:txBody>
       </p:sp>
@@ -14463,6 +14391,7 @@
           <a:lstStyle/>
           <a:p>
             <a:pPr algn="ctr"/>
+            <a:endParaRPr/>
           </a:p>
         </p:txBody>
       </p:sp>
@@ -14544,6 +14473,7 @@
           <a:lstStyle/>
           <a:p>
             <a:pPr algn="ctr"/>
+            <a:endParaRPr/>
           </a:p>
         </p:txBody>
       </p:sp>
@@ -14625,6 +14555,7 @@
           <a:lstStyle/>
           <a:p>
             <a:pPr algn="ctr"/>
+            <a:endParaRPr/>
           </a:p>
         </p:txBody>
       </p:sp>
@@ -14706,6 +14637,7 @@
           <a:lstStyle/>
           <a:p>
             <a:pPr algn="ctr"/>
+            <a:endParaRPr/>
           </a:p>
         </p:txBody>
       </p:sp>
@@ -14787,6 +14719,7 @@
           <a:lstStyle/>
           <a:p>
             <a:pPr algn="ctr"/>
+            <a:endParaRPr/>
           </a:p>
         </p:txBody>
       </p:sp>
@@ -14868,6 +14801,7 @@
           <a:lstStyle/>
           <a:p>
             <a:pPr algn="ctr"/>
+            <a:endParaRPr/>
           </a:p>
         </p:txBody>
       </p:sp>
@@ -14949,6 +14883,7 @@
           <a:lstStyle/>
           <a:p>
             <a:pPr algn="ctr"/>
+            <a:endParaRPr/>
           </a:p>
         </p:txBody>
       </p:sp>
@@ -15030,6 +14965,7 @@
           <a:lstStyle/>
           <a:p>
             <a:pPr algn="ctr"/>
+            <a:endParaRPr/>
           </a:p>
         </p:txBody>
       </p:sp>
@@ -15111,6 +15047,7 @@
           <a:lstStyle/>
           <a:p>
             <a:pPr algn="ctr"/>
+            <a:endParaRPr/>
           </a:p>
         </p:txBody>
       </p:sp>
@@ -15192,6 +15129,7 @@
           <a:lstStyle/>
           <a:p>
             <a:pPr algn="ctr"/>
+            <a:endParaRPr/>
           </a:p>
         </p:txBody>
       </p:sp>
@@ -15273,6 +15211,7 @@
           <a:lstStyle/>
           <a:p>
             <a:pPr algn="ctr"/>
+            <a:endParaRPr/>
           </a:p>
         </p:txBody>
       </p:sp>
@@ -15354,6 +15293,7 @@
           <a:lstStyle/>
           <a:p>
             <a:pPr algn="ctr"/>
+            <a:endParaRPr/>
           </a:p>
         </p:txBody>
       </p:sp>
@@ -15435,6 +15375,7 @@
           <a:lstStyle/>
           <a:p>
             <a:pPr algn="ctr"/>
+            <a:endParaRPr/>
           </a:p>
         </p:txBody>
       </p:sp>
@@ -15516,6 +15457,7 @@
           <a:lstStyle/>
           <a:p>
             <a:pPr algn="ctr"/>
+            <a:endParaRPr/>
           </a:p>
         </p:txBody>
       </p:sp>
@@ -15597,6 +15539,7 @@
           <a:lstStyle/>
           <a:p>
             <a:pPr algn="ctr"/>
+            <a:endParaRPr/>
           </a:p>
         </p:txBody>
       </p:sp>
@@ -15678,6 +15621,7 @@
           <a:lstStyle/>
           <a:p>
             <a:pPr algn="ctr"/>
+            <a:endParaRPr/>
           </a:p>
         </p:txBody>
       </p:sp>
@@ -15759,6 +15703,7 @@
           <a:lstStyle/>
           <a:p>
             <a:pPr algn="ctr"/>
+            <a:endParaRPr/>
           </a:p>
         </p:txBody>
       </p:sp>
@@ -15840,6 +15785,7 @@
           <a:lstStyle/>
           <a:p>
             <a:pPr algn="ctr"/>
+            <a:endParaRPr/>
           </a:p>
         </p:txBody>
       </p:sp>
@@ -15921,6 +15867,7 @@
           <a:lstStyle/>
           <a:p>
             <a:pPr algn="ctr"/>
+            <a:endParaRPr/>
           </a:p>
         </p:txBody>
       </p:sp>
@@ -16000,6 +15947,7 @@
           <a:lstStyle/>
           <a:p>
             <a:pPr algn="ctr"/>
+            <a:endParaRPr/>
           </a:p>
         </p:txBody>
       </p:sp>
@@ -16084,7 +16032,7 @@
 </file>
 
 <file path=ppt/slides/slide18.xml><?xml version="1.0" encoding="utf-8"?>
-<p:sld xmlns:a="http://schemas.openxmlformats.org/drawingml/2006/main" xmlns:p="http://schemas.openxmlformats.org/presentationml/2006/main" xmlns:r="http://schemas.openxmlformats.org/officeDocument/2006/relationships">
+<p:sld xmlns:a="http://schemas.openxmlformats.org/drawingml/2006/main" xmlns:r="http://schemas.openxmlformats.org/officeDocument/2006/relationships" xmlns:p="http://schemas.openxmlformats.org/presentationml/2006/main">
   <p:cSld>
     <p:bg>
       <p:bgPr>
@@ -16100,7 +16048,14 @@
         <p:cNvGrpSpPr/>
         <p:nvPr/>
       </p:nvGrpSpPr>
-      <p:grpSpPr/>
+      <p:grpSpPr>
+        <a:xfrm>
+          <a:off x="0" y="0"/>
+          <a:ext cx="0" cy="0"/>
+          <a:chOff x="0" y="0"/>
+          <a:chExt cx="0" cy="0"/>
+        </a:xfrm>
+      </p:grpSpPr>
       <p:sp>
         <p:nvSpPr>
           <p:cNvPr id="2" name="Rectangle 1"/>
@@ -16141,6 +16096,7 @@
           <a:lstStyle/>
           <a:p>
             <a:pPr algn="ctr"/>
+            <a:endParaRPr/>
           </a:p>
         </p:txBody>
       </p:sp>
@@ -16223,6 +16179,7 @@
           <a:lstStyle/>
           <a:p>
             <a:pPr algn="ctr"/>
+            <a:endParaRPr/>
           </a:p>
         </p:txBody>
       </p:sp>
@@ -16266,6 +16223,7 @@
           <a:lstStyle/>
           <a:p>
             <a:pPr algn="ctr"/>
+            <a:endParaRPr/>
           </a:p>
         </p:txBody>
       </p:sp>
@@ -16435,6 +16393,7 @@
           <a:lstStyle/>
           <a:p>
             <a:pPr algn="ctr"/>
+            <a:endParaRPr/>
           </a:p>
         </p:txBody>
       </p:sp>
@@ -16478,6 +16437,7 @@
           <a:lstStyle/>
           <a:p>
             <a:pPr algn="ctr"/>
+            <a:endParaRPr/>
           </a:p>
         </p:txBody>
       </p:sp>
@@ -16647,6 +16607,7 @@
           <a:lstStyle/>
           <a:p>
             <a:pPr algn="ctr"/>
+            <a:endParaRPr/>
           </a:p>
         </p:txBody>
       </p:sp>
@@ -16690,6 +16651,7 @@
           <a:lstStyle/>
           <a:p>
             <a:pPr algn="ctr"/>
+            <a:endParaRPr/>
           </a:p>
         </p:txBody>
       </p:sp>
@@ -16856,6 +16818,7 @@
           <a:lstStyle/>
           <a:p>
             <a:pPr algn="ctr"/>
+            <a:endParaRPr/>
           </a:p>
         </p:txBody>
       </p:sp>
@@ -16940,7 +16903,7 @@
 </file>
 
 <file path=ppt/slides/slide19.xml><?xml version="1.0" encoding="utf-8"?>
-<p:sld xmlns:a="http://schemas.openxmlformats.org/drawingml/2006/main" xmlns:p="http://schemas.openxmlformats.org/presentationml/2006/main" xmlns:r="http://schemas.openxmlformats.org/officeDocument/2006/relationships">
+<p:sld xmlns:a="http://schemas.openxmlformats.org/drawingml/2006/main" xmlns:r="http://schemas.openxmlformats.org/officeDocument/2006/relationships" xmlns:p="http://schemas.openxmlformats.org/presentationml/2006/main">
   <p:cSld>
     <p:bg>
       <p:bgPr>
@@ -16956,7 +16919,14 @@
         <p:cNvGrpSpPr/>
         <p:nvPr/>
       </p:nvGrpSpPr>
-      <p:grpSpPr/>
+      <p:grpSpPr>
+        <a:xfrm>
+          <a:off x="0" y="0"/>
+          <a:ext cx="0" cy="0"/>
+          <a:chOff x="0" y="0"/>
+          <a:chExt cx="0" cy="0"/>
+        </a:xfrm>
+      </p:grpSpPr>
       <p:sp>
         <p:nvSpPr>
           <p:cNvPr id="2" name="Rectangle 1"/>
@@ -16997,6 +16967,7 @@
           <a:lstStyle/>
           <a:p>
             <a:pPr algn="ctr"/>
+            <a:endParaRPr/>
           </a:p>
         </p:txBody>
       </p:sp>
@@ -17117,7 +17088,7 @@
 </file>
 
 <file path=ppt/slides/slide2.xml><?xml version="1.0" encoding="utf-8"?>
-<p:sld xmlns:a="http://schemas.openxmlformats.org/drawingml/2006/main" xmlns:p="http://schemas.openxmlformats.org/presentationml/2006/main" xmlns:r="http://schemas.openxmlformats.org/officeDocument/2006/relationships">
+<p:sld xmlns:a="http://schemas.openxmlformats.org/drawingml/2006/main" xmlns:r="http://schemas.openxmlformats.org/officeDocument/2006/relationships" xmlns:p="http://schemas.openxmlformats.org/presentationml/2006/main">
   <p:cSld>
     <p:bg>
       <p:bgPr>
@@ -17133,7 +17104,14 @@
         <p:cNvGrpSpPr/>
         <p:nvPr/>
       </p:nvGrpSpPr>
-      <p:grpSpPr/>
+      <p:grpSpPr>
+        <a:xfrm>
+          <a:off x="0" y="0"/>
+          <a:ext cx="0" cy="0"/>
+          <a:chOff x="0" y="0"/>
+          <a:chExt cx="0" cy="0"/>
+        </a:xfrm>
+      </p:grpSpPr>
       <p:sp>
         <p:nvSpPr>
           <p:cNvPr id="2" name="Rectangle 1"/>
@@ -17174,6 +17152,7 @@
           <a:lstStyle/>
           <a:p>
             <a:pPr algn="ctr"/>
+            <a:endParaRPr/>
           </a:p>
         </p:txBody>
       </p:sp>
@@ -17292,6 +17271,7 @@
           <a:lstStyle/>
           <a:p>
             <a:pPr algn="ctr"/>
+            <a:endParaRPr/>
           </a:p>
         </p:txBody>
       </p:sp>
@@ -17340,7 +17320,7 @@
         <p:spPr>
           <a:xfrm>
             <a:off x="1005840" y="2468880"/>
-            <a:ext cx="2011680" cy="731520"/>
+            <a:ext cx="2011680" cy="461665"/>
           </a:xfrm>
           <a:prstGeom prst="rect">
             <a:avLst/>
@@ -17362,6 +17342,7 @@
               </a:defRPr>
             </a:pPr>
             <a:r>
+              <a:rPr sz="2400" dirty="0"/>
               <a:t>Permissions</a:t>
             </a:r>
           </a:p>
@@ -17443,6 +17424,7 @@
           <a:lstStyle/>
           <a:p>
             <a:pPr algn="ctr"/>
+            <a:endParaRPr/>
           </a:p>
         </p:txBody>
       </p:sp>
@@ -17533,6 +17515,7 @@
           <a:lstStyle/>
           <a:p>
             <a:pPr algn="ctr"/>
+            <a:endParaRPr/>
           </a:p>
         </p:txBody>
       </p:sp>
@@ -17581,7 +17564,7 @@
         <p:spPr>
           <a:xfrm>
             <a:off x="3840480" y="2468880"/>
-            <a:ext cx="2011680" cy="731520"/>
+            <a:ext cx="2011680" cy="523220"/>
           </a:xfrm>
           <a:prstGeom prst="rect">
             <a:avLst/>
@@ -17603,6 +17586,7 @@
               </a:defRPr>
             </a:pPr>
             <a:r>
+              <a:rPr sz="2800" dirty="0"/>
               <a:t>Content</a:t>
             </a:r>
           </a:p>
@@ -17684,6 +17668,7 @@
           <a:lstStyle/>
           <a:p>
             <a:pPr algn="ctr"/>
+            <a:endParaRPr/>
           </a:p>
         </p:txBody>
       </p:sp>
@@ -17774,6 +17759,7 @@
           <a:lstStyle/>
           <a:p>
             <a:pPr algn="ctr"/>
+            <a:endParaRPr/>
           </a:p>
         </p:txBody>
       </p:sp>
@@ -17822,7 +17808,7 @@
         <p:spPr>
           <a:xfrm>
             <a:off x="6675120" y="2468880"/>
-            <a:ext cx="2011680" cy="731520"/>
+            <a:ext cx="2011680" cy="523220"/>
           </a:xfrm>
           <a:prstGeom prst="rect">
             <a:avLst/>
@@ -17844,6 +17830,7 @@
               </a:defRPr>
             </a:pPr>
             <a:r>
+              <a:rPr sz="2800" dirty="0"/>
               <a:t>Metadata</a:t>
             </a:r>
           </a:p>
@@ -17880,6 +17867,7 @@
               </a:defRPr>
             </a:pPr>
             <a:r>
+              <a:rPr dirty="0"/>
               <a:t>Drives Refiners</a:t>
             </a:r>
           </a:p>
@@ -17925,6 +17913,7 @@
           <a:lstStyle/>
           <a:p>
             <a:pPr algn="ctr"/>
+            <a:endParaRPr/>
           </a:p>
         </p:txBody>
       </p:sp>
@@ -18015,6 +18004,7 @@
           <a:lstStyle/>
           <a:p>
             <a:pPr algn="ctr"/>
+            <a:endParaRPr/>
           </a:p>
         </p:txBody>
       </p:sp>
@@ -18063,7 +18053,7 @@
         <p:spPr>
           <a:xfrm>
             <a:off x="9509760" y="2468880"/>
-            <a:ext cx="2011680" cy="731520"/>
+            <a:ext cx="2011680" cy="954107"/>
           </a:xfrm>
           <a:prstGeom prst="rect">
             <a:avLst/>
@@ -18085,6 +18075,7 @@
               </a:defRPr>
             </a:pPr>
             <a:r>
+              <a:rPr sz="2800" dirty="0"/>
               <a:t>Governance</a:t>
             </a:r>
           </a:p>
@@ -18166,6 +18157,7 @@
           <a:lstStyle/>
           <a:p>
             <a:pPr algn="ctr"/>
+            <a:endParaRPr/>
           </a:p>
         </p:txBody>
       </p:sp>
@@ -18253,6 +18245,7 @@
           <a:lstStyle/>
           <a:p>
             <a:pPr algn="ctr"/>
+            <a:endParaRPr/>
           </a:p>
         </p:txBody>
       </p:sp>
@@ -18337,7 +18330,7 @@
 </file>
 
 <file path=ppt/slides/slide20.xml><?xml version="1.0" encoding="utf-8"?>
-<p:sld xmlns:a="http://schemas.openxmlformats.org/drawingml/2006/main" xmlns:p="http://schemas.openxmlformats.org/presentationml/2006/main" xmlns:r="http://schemas.openxmlformats.org/officeDocument/2006/relationships">
+<p:sld xmlns:a="http://schemas.openxmlformats.org/drawingml/2006/main" xmlns:r="http://schemas.openxmlformats.org/officeDocument/2006/relationships" xmlns:p="http://schemas.openxmlformats.org/presentationml/2006/main">
   <p:cSld>
     <p:bg>
       <p:bgPr>
@@ -18353,7 +18346,14 @@
         <p:cNvGrpSpPr/>
         <p:nvPr/>
       </p:nvGrpSpPr>
-      <p:grpSpPr/>
+      <p:grpSpPr>
+        <a:xfrm>
+          <a:off x="0" y="0"/>
+          <a:ext cx="0" cy="0"/>
+          <a:chOff x="0" y="0"/>
+          <a:chExt cx="0" cy="0"/>
+        </a:xfrm>
+      </p:grpSpPr>
       <p:sp>
         <p:nvSpPr>
           <p:cNvPr id="2" name="Rectangle 1"/>
@@ -18394,6 +18394,7 @@
           <a:lstStyle/>
           <a:p>
             <a:pPr algn="ctr"/>
+            <a:endParaRPr/>
           </a:p>
         </p:txBody>
       </p:sp>
@@ -18512,6 +18513,7 @@
           <a:lstStyle/>
           <a:p>
             <a:pPr algn="ctr"/>
+            <a:endParaRPr/>
           </a:p>
         </p:txBody>
       </p:sp>
@@ -18555,6 +18557,7 @@
           <a:lstStyle/>
           <a:p>
             <a:pPr algn="ctr"/>
+            <a:endParaRPr/>
           </a:p>
         </p:txBody>
       </p:sp>
@@ -18636,6 +18639,7 @@
           <a:lstStyle/>
           <a:p>
             <a:pPr algn="ctr"/>
+            <a:endParaRPr/>
           </a:p>
         </p:txBody>
       </p:sp>
@@ -18758,6 +18762,7 @@
           <a:lstStyle/>
           <a:p>
             <a:pPr algn="ctr"/>
+            <a:endParaRPr/>
           </a:p>
         </p:txBody>
       </p:sp>
@@ -18801,6 +18806,7 @@
           <a:lstStyle/>
           <a:p>
             <a:pPr algn="ctr"/>
+            <a:endParaRPr/>
           </a:p>
         </p:txBody>
       </p:sp>
@@ -18882,6 +18888,7 @@
           <a:lstStyle/>
           <a:p>
             <a:pPr algn="ctr"/>
+            <a:endParaRPr/>
           </a:p>
         </p:txBody>
       </p:sp>
@@ -19004,6 +19011,7 @@
           <a:lstStyle/>
           <a:p>
             <a:pPr algn="ctr"/>
+            <a:endParaRPr/>
           </a:p>
         </p:txBody>
       </p:sp>
@@ -19047,6 +19055,7 @@
           <a:lstStyle/>
           <a:p>
             <a:pPr algn="ctr"/>
+            <a:endParaRPr/>
           </a:p>
         </p:txBody>
       </p:sp>
@@ -19128,6 +19137,7 @@
           <a:lstStyle/>
           <a:p>
             <a:pPr algn="ctr"/>
+            <a:endParaRPr/>
           </a:p>
         </p:txBody>
       </p:sp>
@@ -19250,6 +19260,7 @@
           <a:lstStyle/>
           <a:p>
             <a:pPr algn="ctr"/>
+            <a:endParaRPr/>
           </a:p>
         </p:txBody>
       </p:sp>
@@ -19293,6 +19304,7 @@
           <a:lstStyle/>
           <a:p>
             <a:pPr algn="ctr"/>
+            <a:endParaRPr/>
           </a:p>
         </p:txBody>
       </p:sp>
@@ -19374,6 +19386,7 @@
           <a:lstStyle/>
           <a:p>
             <a:pPr algn="ctr"/>
+            <a:endParaRPr/>
           </a:p>
         </p:txBody>
       </p:sp>
@@ -19496,6 +19509,7 @@
           <a:lstStyle/>
           <a:p>
             <a:pPr algn="ctr"/>
+            <a:endParaRPr/>
           </a:p>
         </p:txBody>
       </p:sp>
@@ -19539,6 +19553,7 @@
           <a:lstStyle/>
           <a:p>
             <a:pPr algn="ctr"/>
+            <a:endParaRPr/>
           </a:p>
         </p:txBody>
       </p:sp>
@@ -19620,6 +19635,7 @@
           <a:lstStyle/>
           <a:p>
             <a:pPr algn="ctr"/>
+            <a:endParaRPr/>
           </a:p>
         </p:txBody>
       </p:sp>
@@ -19742,6 +19758,7 @@
           <a:lstStyle/>
           <a:p>
             <a:pPr algn="ctr"/>
+            <a:endParaRPr/>
           </a:p>
         </p:txBody>
       </p:sp>
@@ -19785,6 +19802,7 @@
           <a:lstStyle/>
           <a:p>
             <a:pPr algn="ctr"/>
+            <a:endParaRPr/>
           </a:p>
         </p:txBody>
       </p:sp>
@@ -19866,6 +19884,7 @@
           <a:lstStyle/>
           <a:p>
             <a:pPr algn="ctr"/>
+            <a:endParaRPr/>
           </a:p>
         </p:txBody>
       </p:sp>
@@ -19985,6 +20004,7 @@
           <a:lstStyle/>
           <a:p>
             <a:pPr algn="ctr"/>
+            <a:endParaRPr/>
           </a:p>
         </p:txBody>
       </p:sp>
@@ -20069,7 +20089,7 @@
 </file>
 
 <file path=ppt/slides/slide21.xml><?xml version="1.0" encoding="utf-8"?>
-<p:sld xmlns:a="http://schemas.openxmlformats.org/drawingml/2006/main" xmlns:p="http://schemas.openxmlformats.org/presentationml/2006/main" xmlns:r="http://schemas.openxmlformats.org/officeDocument/2006/relationships">
+<p:sld xmlns:a="http://schemas.openxmlformats.org/drawingml/2006/main" xmlns:r="http://schemas.openxmlformats.org/officeDocument/2006/relationships" xmlns:p="http://schemas.openxmlformats.org/presentationml/2006/main">
   <p:cSld>
     <p:bg>
       <p:bgPr>
@@ -20085,7 +20105,14 @@
         <p:cNvGrpSpPr/>
         <p:nvPr/>
       </p:nvGrpSpPr>
-      <p:grpSpPr/>
+      <p:grpSpPr>
+        <a:xfrm>
+          <a:off x="0" y="0"/>
+          <a:ext cx="0" cy="0"/>
+          <a:chOff x="0" y="0"/>
+          <a:chExt cx="0" cy="0"/>
+        </a:xfrm>
+      </p:grpSpPr>
       <p:sp>
         <p:nvSpPr>
           <p:cNvPr id="2" name="Rectangle 1"/>
@@ -20126,6 +20153,7 @@
           <a:lstStyle/>
           <a:p>
             <a:pPr algn="ctr"/>
+            <a:endParaRPr/>
           </a:p>
         </p:txBody>
       </p:sp>
@@ -20244,6 +20272,7 @@
           <a:lstStyle/>
           <a:p>
             <a:pPr algn="ctr"/>
+            <a:endParaRPr/>
           </a:p>
         </p:txBody>
       </p:sp>
@@ -20287,6 +20316,7 @@
           <a:lstStyle/>
           <a:p>
             <a:pPr algn="ctr"/>
+            <a:endParaRPr/>
           </a:p>
         </p:txBody>
       </p:sp>
@@ -20328,7 +20358,7 @@
           </a:fontRef>
         </p:style>
         <p:txBody>
-          <a:bodyPr rtlCol="0" anchor="ctr" wrap="none"/>
+          <a:bodyPr wrap="none" rtlCol="0" anchor="ctr"/>
           <a:lstStyle/>
           <a:p>
             <a:pPr algn="ctr">
@@ -20507,6 +20537,7 @@
           <a:lstStyle/>
           <a:p>
             <a:pPr algn="ctr"/>
+            <a:endParaRPr/>
           </a:p>
         </p:txBody>
       </p:sp>
@@ -20550,6 +20581,7 @@
           <a:lstStyle/>
           <a:p>
             <a:pPr algn="ctr"/>
+            <a:endParaRPr/>
           </a:p>
         </p:txBody>
       </p:sp>
@@ -20591,7 +20623,7 @@
           </a:fontRef>
         </p:style>
         <p:txBody>
-          <a:bodyPr rtlCol="0" anchor="ctr" wrap="none"/>
+          <a:bodyPr wrap="none" rtlCol="0" anchor="ctr"/>
           <a:lstStyle/>
           <a:p>
             <a:pPr algn="ctr">
@@ -20770,6 +20802,7 @@
           <a:lstStyle/>
           <a:p>
             <a:pPr algn="ctr"/>
+            <a:endParaRPr/>
           </a:p>
         </p:txBody>
       </p:sp>
@@ -20813,6 +20846,7 @@
           <a:lstStyle/>
           <a:p>
             <a:pPr algn="ctr"/>
+            <a:endParaRPr/>
           </a:p>
         </p:txBody>
       </p:sp>
@@ -20854,7 +20888,7 @@
           </a:fontRef>
         </p:style>
         <p:txBody>
-          <a:bodyPr rtlCol="0" anchor="ctr" wrap="none"/>
+          <a:bodyPr wrap="none" rtlCol="0" anchor="ctr"/>
           <a:lstStyle/>
           <a:p>
             <a:pPr algn="ctr">
@@ -21033,6 +21067,7 @@
           <a:lstStyle/>
           <a:p>
             <a:pPr algn="ctr"/>
+            <a:endParaRPr/>
           </a:p>
         </p:txBody>
       </p:sp>
@@ -21076,6 +21111,7 @@
           <a:lstStyle/>
           <a:p>
             <a:pPr algn="ctr"/>
+            <a:endParaRPr/>
           </a:p>
         </p:txBody>
       </p:sp>
@@ -21117,7 +21153,7 @@
           </a:fontRef>
         </p:style>
         <p:txBody>
-          <a:bodyPr rtlCol="0" anchor="ctr" wrap="none"/>
+          <a:bodyPr wrap="none" rtlCol="0" anchor="ctr"/>
           <a:lstStyle/>
           <a:p>
             <a:pPr algn="ctr">
@@ -21259,6 +21295,7 @@
           <a:lstStyle/>
           <a:p>
             <a:pPr algn="ctr"/>
+            <a:endParaRPr/>
           </a:p>
         </p:txBody>
       </p:sp>
@@ -21338,6 +21375,7 @@
           <a:lstStyle/>
           <a:p>
             <a:pPr algn="ctr"/>
+            <a:endParaRPr/>
           </a:p>
         </p:txBody>
       </p:sp>
@@ -21422,7 +21460,7 @@
 </file>
 
 <file path=ppt/slides/slide22.xml><?xml version="1.0" encoding="utf-8"?>
-<p:sld xmlns:a="http://schemas.openxmlformats.org/drawingml/2006/main" xmlns:p="http://schemas.openxmlformats.org/presentationml/2006/main" xmlns:r="http://schemas.openxmlformats.org/officeDocument/2006/relationships">
+<p:sld xmlns:a="http://schemas.openxmlformats.org/drawingml/2006/main" xmlns:r="http://schemas.openxmlformats.org/officeDocument/2006/relationships" xmlns:p="http://schemas.openxmlformats.org/presentationml/2006/main">
   <p:cSld>
     <p:bg>
       <p:bgPr>
@@ -21438,7 +21476,14 @@
         <p:cNvGrpSpPr/>
         <p:nvPr/>
       </p:nvGrpSpPr>
-      <p:grpSpPr/>
+      <p:grpSpPr>
+        <a:xfrm>
+          <a:off x="0" y="0"/>
+          <a:ext cx="0" cy="0"/>
+          <a:chOff x="0" y="0"/>
+          <a:chExt cx="0" cy="0"/>
+        </a:xfrm>
+      </p:grpSpPr>
       <p:sp>
         <p:nvSpPr>
           <p:cNvPr id="2" name="Rectangle 1"/>
@@ -21479,6 +21524,7 @@
           <a:lstStyle/>
           <a:p>
             <a:pPr algn="ctr"/>
+            <a:endParaRPr/>
           </a:p>
         </p:txBody>
       </p:sp>
@@ -21599,7 +21645,7 @@
 </file>
 
 <file path=ppt/slides/slide23.xml><?xml version="1.0" encoding="utf-8"?>
-<p:sld xmlns:a="http://schemas.openxmlformats.org/drawingml/2006/main" xmlns:p="http://schemas.openxmlformats.org/presentationml/2006/main" xmlns:r="http://schemas.openxmlformats.org/officeDocument/2006/relationships">
+<p:sld xmlns:a="http://schemas.openxmlformats.org/drawingml/2006/main" xmlns:r="http://schemas.openxmlformats.org/officeDocument/2006/relationships" xmlns:p="http://schemas.openxmlformats.org/presentationml/2006/main">
   <p:cSld>
     <p:bg>
       <p:bgPr>
@@ -21615,7 +21661,14 @@
         <p:cNvGrpSpPr/>
         <p:nvPr/>
       </p:nvGrpSpPr>
-      <p:grpSpPr/>
+      <p:grpSpPr>
+        <a:xfrm>
+          <a:off x="0" y="0"/>
+          <a:ext cx="0" cy="0"/>
+          <a:chOff x="0" y="0"/>
+          <a:chExt cx="0" cy="0"/>
+        </a:xfrm>
+      </p:grpSpPr>
       <p:sp>
         <p:nvSpPr>
           <p:cNvPr id="2" name="Rectangle 1"/>
@@ -21656,6 +21709,7 @@
           <a:lstStyle/>
           <a:p>
             <a:pPr algn="ctr"/>
+            <a:endParaRPr/>
           </a:p>
         </p:txBody>
       </p:sp>
@@ -21774,6 +21828,7 @@
           <a:lstStyle/>
           <a:p>
             <a:pPr algn="ctr"/>
+            <a:endParaRPr/>
           </a:p>
         </p:txBody>
       </p:sp>
@@ -21817,6 +21872,7 @@
           <a:lstStyle/>
           <a:p>
             <a:pPr algn="ctr"/>
+            <a:endParaRPr/>
           </a:p>
         </p:txBody>
       </p:sp>
@@ -21858,7 +21914,7 @@
           </a:fontRef>
         </p:style>
         <p:txBody>
-          <a:bodyPr rtlCol="0" anchor="ctr" wrap="none"/>
+          <a:bodyPr wrap="none" rtlCol="0" anchor="ctr"/>
           <a:lstStyle/>
           <a:p>
             <a:pPr algn="ctr">
@@ -22001,6 +22057,7 @@
           <a:lstStyle/>
           <a:p>
             <a:pPr algn="ctr"/>
+            <a:endParaRPr/>
           </a:p>
         </p:txBody>
       </p:sp>
@@ -22044,6 +22101,7 @@
           <a:lstStyle/>
           <a:p>
             <a:pPr algn="ctr"/>
+            <a:endParaRPr/>
           </a:p>
         </p:txBody>
       </p:sp>
@@ -22085,7 +22143,7 @@
           </a:fontRef>
         </p:style>
         <p:txBody>
-          <a:bodyPr rtlCol="0" anchor="ctr" wrap="none"/>
+          <a:bodyPr wrap="none" rtlCol="0" anchor="ctr"/>
           <a:lstStyle/>
           <a:p>
             <a:pPr algn="ctr">
@@ -22228,6 +22286,7 @@
           <a:lstStyle/>
           <a:p>
             <a:pPr algn="ctr"/>
+            <a:endParaRPr/>
           </a:p>
         </p:txBody>
       </p:sp>
@@ -22271,6 +22330,7 @@
           <a:lstStyle/>
           <a:p>
             <a:pPr algn="ctr"/>
+            <a:endParaRPr/>
           </a:p>
         </p:txBody>
       </p:sp>
@@ -22312,7 +22372,7 @@
           </a:fontRef>
         </p:style>
         <p:txBody>
-          <a:bodyPr rtlCol="0" anchor="ctr" wrap="none"/>
+          <a:bodyPr wrap="none" rtlCol="0" anchor="ctr"/>
           <a:lstStyle/>
           <a:p>
             <a:pPr algn="ctr">
@@ -22455,6 +22515,7 @@
           <a:lstStyle/>
           <a:p>
             <a:pPr algn="ctr"/>
+            <a:endParaRPr/>
           </a:p>
         </p:txBody>
       </p:sp>
@@ -22498,6 +22559,7 @@
           <a:lstStyle/>
           <a:p>
             <a:pPr algn="ctr"/>
+            <a:endParaRPr/>
           </a:p>
         </p:txBody>
       </p:sp>
@@ -22539,7 +22601,7 @@
           </a:fontRef>
         </p:style>
         <p:txBody>
-          <a:bodyPr rtlCol="0" anchor="ctr" wrap="none"/>
+          <a:bodyPr wrap="none" rtlCol="0" anchor="ctr"/>
           <a:lstStyle/>
           <a:p>
             <a:pPr algn="ctr">
@@ -22681,6 +22743,7 @@
           <a:lstStyle/>
           <a:p>
             <a:pPr algn="ctr"/>
+            <a:endParaRPr/>
           </a:p>
         </p:txBody>
       </p:sp>
@@ -22760,6 +22823,7 @@
           <a:lstStyle/>
           <a:p>
             <a:pPr algn="ctr"/>
+            <a:endParaRPr/>
           </a:p>
         </p:txBody>
       </p:sp>
@@ -22844,7 +22908,7 @@
 </file>
 
 <file path=ppt/slides/slide24.xml><?xml version="1.0" encoding="utf-8"?>
-<p:sld xmlns:a="http://schemas.openxmlformats.org/drawingml/2006/main" xmlns:p="http://schemas.openxmlformats.org/presentationml/2006/main" xmlns:r="http://schemas.openxmlformats.org/officeDocument/2006/relationships">
+<p:sld xmlns:a="http://schemas.openxmlformats.org/drawingml/2006/main" xmlns:r="http://schemas.openxmlformats.org/officeDocument/2006/relationships" xmlns:p="http://schemas.openxmlformats.org/presentationml/2006/main">
   <p:cSld>
     <p:bg>
       <p:bgPr>
@@ -22860,7 +22924,14 @@
         <p:cNvGrpSpPr/>
         <p:nvPr/>
       </p:nvGrpSpPr>
-      <p:grpSpPr/>
+      <p:grpSpPr>
+        <a:xfrm>
+          <a:off x="0" y="0"/>
+          <a:ext cx="0" cy="0"/>
+          <a:chOff x="0" y="0"/>
+          <a:chExt cx="0" cy="0"/>
+        </a:xfrm>
+      </p:grpSpPr>
       <p:sp>
         <p:nvSpPr>
           <p:cNvPr id="2" name="Rectangle 1"/>
@@ -22901,6 +22972,7 @@
           <a:lstStyle/>
           <a:p>
             <a:pPr algn="ctr"/>
+            <a:endParaRPr/>
           </a:p>
         </p:txBody>
       </p:sp>
@@ -22983,6 +23055,7 @@
           <a:lstStyle/>
           <a:p>
             <a:pPr algn="ctr"/>
+            <a:endParaRPr/>
           </a:p>
         </p:txBody>
       </p:sp>
@@ -23026,6 +23099,7 @@
           <a:lstStyle/>
           <a:p>
             <a:pPr algn="ctr"/>
+            <a:endParaRPr/>
           </a:p>
         </p:txBody>
       </p:sp>
@@ -23148,6 +23222,7 @@
           <a:lstStyle/>
           <a:p>
             <a:pPr algn="ctr"/>
+            <a:endParaRPr/>
           </a:p>
         </p:txBody>
       </p:sp>
@@ -23191,6 +23266,7 @@
           <a:lstStyle/>
           <a:p>
             <a:pPr algn="ctr"/>
+            <a:endParaRPr/>
           </a:p>
         </p:txBody>
       </p:sp>
@@ -23313,6 +23389,7 @@
           <a:lstStyle/>
           <a:p>
             <a:pPr algn="ctr"/>
+            <a:endParaRPr/>
           </a:p>
         </p:txBody>
       </p:sp>
@@ -23356,6 +23433,7 @@
           <a:lstStyle/>
           <a:p>
             <a:pPr algn="ctr"/>
+            <a:endParaRPr/>
           </a:p>
         </p:txBody>
       </p:sp>
@@ -23478,6 +23556,7 @@
           <a:lstStyle/>
           <a:p>
             <a:pPr algn="ctr"/>
+            <a:endParaRPr/>
           </a:p>
         </p:txBody>
       </p:sp>
@@ -23521,6 +23600,7 @@
           <a:lstStyle/>
           <a:p>
             <a:pPr algn="ctr"/>
+            <a:endParaRPr/>
           </a:p>
         </p:txBody>
       </p:sp>
@@ -23643,6 +23723,7 @@
           <a:lstStyle/>
           <a:p>
             <a:pPr algn="ctr"/>
+            <a:endParaRPr/>
           </a:p>
         </p:txBody>
       </p:sp>
@@ -23686,6 +23767,7 @@
           <a:lstStyle/>
           <a:p>
             <a:pPr algn="ctr"/>
+            <a:endParaRPr/>
           </a:p>
         </p:txBody>
       </p:sp>
@@ -23808,6 +23890,7 @@
           <a:lstStyle/>
           <a:p>
             <a:pPr algn="ctr"/>
+            <a:endParaRPr/>
           </a:p>
         </p:txBody>
       </p:sp>
@@ -23851,6 +23934,7 @@
           <a:lstStyle/>
           <a:p>
             <a:pPr algn="ctr"/>
+            <a:endParaRPr/>
           </a:p>
         </p:txBody>
       </p:sp>
@@ -23970,6 +24054,7 @@
           <a:lstStyle/>
           <a:p>
             <a:pPr algn="ctr"/>
+            <a:endParaRPr/>
           </a:p>
         </p:txBody>
       </p:sp>
@@ -24054,7 +24139,7 @@
 </file>
 
 <file path=ppt/slides/slide25.xml><?xml version="1.0" encoding="utf-8"?>
-<p:sld xmlns:a="http://schemas.openxmlformats.org/drawingml/2006/main" xmlns:p="http://schemas.openxmlformats.org/presentationml/2006/main" xmlns:r="http://schemas.openxmlformats.org/officeDocument/2006/relationships">
+<p:sld xmlns:a="http://schemas.openxmlformats.org/drawingml/2006/main" xmlns:r="http://schemas.openxmlformats.org/officeDocument/2006/relationships" xmlns:p="http://schemas.openxmlformats.org/presentationml/2006/main">
   <p:cSld>
     <p:bg>
       <p:bgPr>
@@ -24070,7 +24155,14 @@
         <p:cNvGrpSpPr/>
         <p:nvPr/>
       </p:nvGrpSpPr>
-      <p:grpSpPr/>
+      <p:grpSpPr>
+        <a:xfrm>
+          <a:off x="0" y="0"/>
+          <a:ext cx="0" cy="0"/>
+          <a:chOff x="0" y="0"/>
+          <a:chExt cx="0" cy="0"/>
+        </a:xfrm>
+      </p:grpSpPr>
       <p:sp>
         <p:nvSpPr>
           <p:cNvPr id="2" name="Rectangle 1"/>
@@ -24111,6 +24203,7 @@
           <a:lstStyle/>
           <a:p>
             <a:pPr algn="ctr"/>
+            <a:endParaRPr/>
           </a:p>
         </p:txBody>
       </p:sp>
@@ -24193,6 +24286,7 @@
           <a:lstStyle/>
           <a:p>
             <a:pPr algn="ctr"/>
+            <a:endParaRPr/>
           </a:p>
         </p:txBody>
       </p:sp>
@@ -24236,6 +24330,7 @@
           <a:lstStyle/>
           <a:p>
             <a:pPr algn="ctr"/>
+            <a:endParaRPr/>
           </a:p>
         </p:txBody>
       </p:sp>
@@ -24390,6 +24485,7 @@
           <a:lstStyle/>
           <a:p>
             <a:pPr algn="ctr"/>
+            <a:endParaRPr/>
           </a:p>
         </p:txBody>
       </p:sp>
@@ -24433,6 +24529,7 @@
           <a:lstStyle/>
           <a:p>
             <a:pPr algn="ctr"/>
+            <a:endParaRPr/>
           </a:p>
         </p:txBody>
       </p:sp>
@@ -24587,6 +24684,7 @@
           <a:lstStyle/>
           <a:p>
             <a:pPr algn="ctr"/>
+            <a:endParaRPr/>
           </a:p>
         </p:txBody>
       </p:sp>
@@ -24630,6 +24728,7 @@
           <a:lstStyle/>
           <a:p>
             <a:pPr algn="ctr"/>
+            <a:endParaRPr/>
           </a:p>
         </p:txBody>
       </p:sp>
@@ -24784,6 +24883,7 @@
           <a:lstStyle/>
           <a:p>
             <a:pPr algn="ctr"/>
+            <a:endParaRPr/>
           </a:p>
         </p:txBody>
       </p:sp>
@@ -24827,6 +24927,7 @@
           <a:lstStyle/>
           <a:p>
             <a:pPr algn="ctr"/>
+            <a:endParaRPr/>
           </a:p>
         </p:txBody>
       </p:sp>
@@ -24981,6 +25082,7 @@
           <a:lstStyle/>
           <a:p>
             <a:pPr algn="ctr"/>
+            <a:endParaRPr/>
           </a:p>
         </p:txBody>
       </p:sp>
@@ -25024,6 +25126,7 @@
           <a:lstStyle/>
           <a:p>
             <a:pPr algn="ctr"/>
+            <a:endParaRPr/>
           </a:p>
         </p:txBody>
       </p:sp>
@@ -25175,6 +25278,7 @@
           <a:lstStyle/>
           <a:p>
             <a:pPr algn="ctr"/>
+            <a:endParaRPr/>
           </a:p>
         </p:txBody>
       </p:sp>
@@ -25259,7 +25363,7 @@
 </file>
 
 <file path=ppt/slides/slide26.xml><?xml version="1.0" encoding="utf-8"?>
-<p:sld xmlns:a="http://schemas.openxmlformats.org/drawingml/2006/main" xmlns:p="http://schemas.openxmlformats.org/presentationml/2006/main" xmlns:r="http://schemas.openxmlformats.org/officeDocument/2006/relationships">
+<p:sld xmlns:a="http://schemas.openxmlformats.org/drawingml/2006/main" xmlns:r="http://schemas.openxmlformats.org/officeDocument/2006/relationships" xmlns:p="http://schemas.openxmlformats.org/presentationml/2006/main">
   <p:cSld>
     <p:bg>
       <p:bgPr>
@@ -25275,7 +25379,14 @@
         <p:cNvGrpSpPr/>
         <p:nvPr/>
       </p:nvGrpSpPr>
-      <p:grpSpPr/>
+      <p:grpSpPr>
+        <a:xfrm>
+          <a:off x="0" y="0"/>
+          <a:ext cx="0" cy="0"/>
+          <a:chOff x="0" y="0"/>
+          <a:chExt cx="0" cy="0"/>
+        </a:xfrm>
+      </p:grpSpPr>
       <p:sp>
         <p:nvSpPr>
           <p:cNvPr id="2" name="Rectangle 1"/>
@@ -25316,6 +25427,7 @@
           <a:lstStyle/>
           <a:p>
             <a:pPr algn="ctr"/>
+            <a:endParaRPr/>
           </a:p>
         </p:txBody>
       </p:sp>
@@ -25398,6 +25510,7 @@
           <a:lstStyle/>
           <a:p>
             <a:pPr algn="ctr"/>
+            <a:endParaRPr/>
           </a:p>
         </p:txBody>
       </p:sp>
@@ -25556,6 +25669,7 @@
           <a:lstStyle/>
           <a:p>
             <a:pPr algn="ctr"/>
+            <a:endParaRPr/>
           </a:p>
         </p:txBody>
       </p:sp>
@@ -25714,6 +25828,7 @@
           <a:lstStyle/>
           <a:p>
             <a:pPr algn="ctr"/>
+            <a:endParaRPr/>
           </a:p>
         </p:txBody>
       </p:sp>
@@ -25872,6 +25987,7 @@
           <a:lstStyle/>
           <a:p>
             <a:pPr algn="ctr"/>
+            <a:endParaRPr/>
           </a:p>
         </p:txBody>
       </p:sp>
@@ -26030,6 +26146,7 @@
           <a:lstStyle/>
           <a:p>
             <a:pPr algn="ctr"/>
+            <a:endParaRPr/>
           </a:p>
         </p:txBody>
       </p:sp>
@@ -26185,6 +26302,7 @@
           <a:lstStyle/>
           <a:p>
             <a:pPr algn="ctr"/>
+            <a:endParaRPr/>
           </a:p>
         </p:txBody>
       </p:sp>
@@ -26269,7 +26387,7 @@
 </file>
 
 <file path=ppt/slides/slide27.xml><?xml version="1.0" encoding="utf-8"?>
-<p:sld xmlns:a="http://schemas.openxmlformats.org/drawingml/2006/main" xmlns:p="http://schemas.openxmlformats.org/presentationml/2006/main" xmlns:r="http://schemas.openxmlformats.org/officeDocument/2006/relationships">
+<p:sld xmlns:a="http://schemas.openxmlformats.org/drawingml/2006/main" xmlns:r="http://schemas.openxmlformats.org/officeDocument/2006/relationships" xmlns:p="http://schemas.openxmlformats.org/presentationml/2006/main">
   <p:cSld>
     <p:bg>
       <p:bgPr>
@@ -26285,7 +26403,14 @@
         <p:cNvGrpSpPr/>
         <p:nvPr/>
       </p:nvGrpSpPr>
-      <p:grpSpPr/>
+      <p:grpSpPr>
+        <a:xfrm>
+          <a:off x="0" y="0"/>
+          <a:ext cx="0" cy="0"/>
+          <a:chOff x="0" y="0"/>
+          <a:chExt cx="0" cy="0"/>
+        </a:xfrm>
+      </p:grpSpPr>
       <p:sp>
         <p:nvSpPr>
           <p:cNvPr id="2" name="Rectangle 1"/>
@@ -26326,6 +26451,7 @@
           <a:lstStyle/>
           <a:p>
             <a:pPr algn="ctr"/>
+            <a:endParaRPr/>
           </a:p>
         </p:txBody>
       </p:sp>
@@ -26408,6 +26534,7 @@
           <a:lstStyle/>
           <a:p>
             <a:pPr algn="ctr"/>
+            <a:endParaRPr/>
           </a:p>
         </p:txBody>
       </p:sp>
@@ -26449,7 +26576,7 @@
           </a:fontRef>
         </p:style>
         <p:txBody>
-          <a:bodyPr rtlCol="0" anchor="ctr" wrap="none"/>
+          <a:bodyPr wrap="none" rtlCol="0" anchor="ctr"/>
           <a:lstStyle/>
           <a:p>
             <a:pPr algn="ctr">
@@ -26548,6 +26675,7 @@
           <a:lstStyle/>
           <a:p>
             <a:pPr algn="ctr"/>
+            <a:endParaRPr/>
           </a:p>
         </p:txBody>
       </p:sp>
@@ -26589,7 +26717,7 @@
           </a:fontRef>
         </p:style>
         <p:txBody>
-          <a:bodyPr rtlCol="0" anchor="ctr" wrap="none"/>
+          <a:bodyPr wrap="none" rtlCol="0" anchor="ctr"/>
           <a:lstStyle/>
           <a:p>
             <a:pPr algn="ctr">
@@ -26688,6 +26816,7 @@
           <a:lstStyle/>
           <a:p>
             <a:pPr algn="ctr"/>
+            <a:endParaRPr/>
           </a:p>
         </p:txBody>
       </p:sp>
@@ -26729,7 +26858,7 @@
           </a:fontRef>
         </p:style>
         <p:txBody>
-          <a:bodyPr rtlCol="0" anchor="ctr" wrap="none"/>
+          <a:bodyPr wrap="none" rtlCol="0" anchor="ctr"/>
           <a:lstStyle/>
           <a:p>
             <a:pPr algn="ctr">
@@ -26828,6 +26957,7 @@
           <a:lstStyle/>
           <a:p>
             <a:pPr algn="ctr"/>
+            <a:endParaRPr/>
           </a:p>
         </p:txBody>
       </p:sp>
@@ -26869,7 +26999,7 @@
           </a:fontRef>
         </p:style>
         <p:txBody>
-          <a:bodyPr rtlCol="0" anchor="ctr" wrap="none"/>
+          <a:bodyPr wrap="none" rtlCol="0" anchor="ctr"/>
           <a:lstStyle/>
           <a:p>
             <a:pPr algn="ctr">
@@ -26968,6 +27098,7 @@
           <a:lstStyle/>
           <a:p>
             <a:pPr algn="ctr"/>
+            <a:endParaRPr/>
           </a:p>
         </p:txBody>
       </p:sp>
@@ -27009,7 +27140,7 @@
           </a:fontRef>
         </p:style>
         <p:txBody>
-          <a:bodyPr rtlCol="0" anchor="ctr" wrap="none"/>
+          <a:bodyPr wrap="none" rtlCol="0" anchor="ctr"/>
           <a:lstStyle/>
           <a:p>
             <a:pPr algn="ctr">
@@ -27105,6 +27236,7 @@
           <a:lstStyle/>
           <a:p>
             <a:pPr algn="ctr"/>
+            <a:endParaRPr/>
           </a:p>
         </p:txBody>
       </p:sp>
@@ -27189,7 +27321,7 @@
 </file>
 
 <file path=ppt/slides/slide28.xml><?xml version="1.0" encoding="utf-8"?>
-<p:sld xmlns:a="http://schemas.openxmlformats.org/drawingml/2006/main" xmlns:p="http://schemas.openxmlformats.org/presentationml/2006/main" xmlns:r="http://schemas.openxmlformats.org/officeDocument/2006/relationships">
+<p:sld xmlns:a="http://schemas.openxmlformats.org/drawingml/2006/main" xmlns:r="http://schemas.openxmlformats.org/officeDocument/2006/relationships" xmlns:p="http://schemas.openxmlformats.org/presentationml/2006/main">
   <p:cSld>
     <p:bg>
       <p:bgPr>
@@ -27205,7 +27337,14 @@
         <p:cNvGrpSpPr/>
         <p:nvPr/>
       </p:nvGrpSpPr>
-      <p:grpSpPr/>
+      <p:grpSpPr>
+        <a:xfrm>
+          <a:off x="0" y="0"/>
+          <a:ext cx="0" cy="0"/>
+          <a:chOff x="0" y="0"/>
+          <a:chExt cx="0" cy="0"/>
+        </a:xfrm>
+      </p:grpSpPr>
       <p:sp>
         <p:nvSpPr>
           <p:cNvPr id="2" name="Rectangle 1"/>
@@ -27246,6 +27385,7 @@
           <a:lstStyle/>
           <a:p>
             <a:pPr algn="ctr"/>
+            <a:endParaRPr/>
           </a:p>
         </p:txBody>
       </p:sp>
@@ -27289,6 +27429,7 @@
           <a:lstStyle/>
           <a:p>
             <a:pPr algn="ctr"/>
+            <a:endParaRPr/>
           </a:p>
         </p:txBody>
       </p:sp>
@@ -27404,6 +27545,7 @@
           <a:lstStyle/>
           <a:p>
             <a:pPr algn="ctr"/>
+            <a:endParaRPr/>
           </a:p>
         </p:txBody>
       </p:sp>
@@ -27488,7 +27630,7 @@
 </file>
 
 <file path=ppt/slides/slide3.xml><?xml version="1.0" encoding="utf-8"?>
-<p:sld xmlns:a="http://schemas.openxmlformats.org/drawingml/2006/main" xmlns:p="http://schemas.openxmlformats.org/presentationml/2006/main" xmlns:r="http://schemas.openxmlformats.org/officeDocument/2006/relationships">
+<p:sld xmlns:a="http://schemas.openxmlformats.org/drawingml/2006/main" xmlns:r="http://schemas.openxmlformats.org/officeDocument/2006/relationships" xmlns:p="http://schemas.openxmlformats.org/presentationml/2006/main">
   <p:cSld>
     <p:bg>
       <p:bgPr>
@@ -27504,7 +27646,14 @@
         <p:cNvGrpSpPr/>
         <p:nvPr/>
       </p:nvGrpSpPr>
-      <p:grpSpPr/>
+      <p:grpSpPr>
+        <a:xfrm>
+          <a:off x="0" y="0"/>
+          <a:ext cx="0" cy="0"/>
+          <a:chOff x="0" y="0"/>
+          <a:chExt cx="0" cy="0"/>
+        </a:xfrm>
+      </p:grpSpPr>
       <p:sp>
         <p:nvSpPr>
           <p:cNvPr id="2" name="Rectangle 1"/>
@@ -27545,6 +27694,7 @@
           <a:lstStyle/>
           <a:p>
             <a:pPr algn="ctr"/>
+            <a:endParaRPr/>
           </a:p>
         </p:txBody>
       </p:sp>
@@ -27622,7 +27772,7 @@
           </a:fontRef>
         </p:style>
         <p:txBody>
-          <a:bodyPr rtlCol="0" anchor="ctr" wrap="none"/>
+          <a:bodyPr wrap="none" rtlCol="0" anchor="ctr"/>
           <a:lstStyle/>
           <a:p>
             <a:pPr algn="ctr">
@@ -27716,7 +27866,7 @@
           </a:fontRef>
         </p:style>
         <p:txBody>
-          <a:bodyPr rtlCol="0" anchor="ctr" wrap="none"/>
+          <a:bodyPr wrap="none" rtlCol="0" anchor="ctr"/>
           <a:lstStyle/>
           <a:p>
             <a:pPr algn="ctr">
@@ -27810,7 +27960,7 @@
           </a:fontRef>
         </p:style>
         <p:txBody>
-          <a:bodyPr rtlCol="0" anchor="ctr" wrap="none"/>
+          <a:bodyPr wrap="none" rtlCol="0" anchor="ctr"/>
           <a:lstStyle/>
           <a:p>
             <a:pPr algn="ctr">
@@ -27904,7 +28054,7 @@
           </a:fontRef>
         </p:style>
         <p:txBody>
-          <a:bodyPr rtlCol="0" anchor="ctr" wrap="none"/>
+          <a:bodyPr wrap="none" rtlCol="0" anchor="ctr"/>
           <a:lstStyle/>
           <a:p>
             <a:pPr algn="ctr">
@@ -28000,6 +28150,7 @@
           <a:lstStyle/>
           <a:p>
             <a:pPr algn="ctr"/>
+            <a:endParaRPr/>
           </a:p>
         </p:txBody>
       </p:sp>
@@ -28084,7 +28235,7 @@
 </file>
 
 <file path=ppt/slides/slide4.xml><?xml version="1.0" encoding="utf-8"?>
-<p:sld xmlns:a="http://schemas.openxmlformats.org/drawingml/2006/main" xmlns:p="http://schemas.openxmlformats.org/presentationml/2006/main" xmlns:r="http://schemas.openxmlformats.org/officeDocument/2006/relationships">
+<p:sld xmlns:a="http://schemas.openxmlformats.org/drawingml/2006/main" xmlns:r="http://schemas.openxmlformats.org/officeDocument/2006/relationships" xmlns:p="http://schemas.openxmlformats.org/presentationml/2006/main">
   <p:cSld>
     <p:bg>
       <p:bgPr>
@@ -28100,7 +28251,14 @@
         <p:cNvGrpSpPr/>
         <p:nvPr/>
       </p:nvGrpSpPr>
-      <p:grpSpPr/>
+      <p:grpSpPr>
+        <a:xfrm>
+          <a:off x="0" y="0"/>
+          <a:ext cx="0" cy="0"/>
+          <a:chOff x="0" y="0"/>
+          <a:chExt cx="0" cy="0"/>
+        </a:xfrm>
+      </p:grpSpPr>
       <p:sp>
         <p:nvSpPr>
           <p:cNvPr id="2" name="Rectangle 1"/>
@@ -28141,6 +28299,7 @@
           <a:lstStyle/>
           <a:p>
             <a:pPr algn="ctr"/>
+            <a:endParaRPr/>
           </a:p>
         </p:txBody>
       </p:sp>
@@ -28261,7 +28420,7 @@
 </file>
 
 <file path=ppt/slides/slide5.xml><?xml version="1.0" encoding="utf-8"?>
-<p:sld xmlns:a="http://schemas.openxmlformats.org/drawingml/2006/main" xmlns:p="http://schemas.openxmlformats.org/presentationml/2006/main" xmlns:r="http://schemas.openxmlformats.org/officeDocument/2006/relationships">
+<p:sld xmlns:a="http://schemas.openxmlformats.org/drawingml/2006/main" xmlns:r="http://schemas.openxmlformats.org/officeDocument/2006/relationships" xmlns:p="http://schemas.openxmlformats.org/presentationml/2006/main">
   <p:cSld>
     <p:bg>
       <p:bgPr>
@@ -28277,7 +28436,14 @@
         <p:cNvGrpSpPr/>
         <p:nvPr/>
       </p:nvGrpSpPr>
-      <p:grpSpPr/>
+      <p:grpSpPr>
+        <a:xfrm>
+          <a:off x="0" y="0"/>
+          <a:ext cx="0" cy="0"/>
+          <a:chOff x="0" y="0"/>
+          <a:chExt cx="0" cy="0"/>
+        </a:xfrm>
+      </p:grpSpPr>
       <p:sp>
         <p:nvSpPr>
           <p:cNvPr id="2" name="Rectangle 1"/>
@@ -28318,6 +28484,7 @@
           <a:lstStyle/>
           <a:p>
             <a:pPr algn="ctr"/>
+            <a:endParaRPr/>
           </a:p>
         </p:txBody>
       </p:sp>
@@ -28436,6 +28603,7 @@
           <a:lstStyle/>
           <a:p>
             <a:pPr algn="ctr"/>
+            <a:endParaRPr/>
           </a:p>
         </p:txBody>
       </p:sp>
@@ -28479,6 +28647,7 @@
           <a:lstStyle/>
           <a:p>
             <a:pPr algn="ctr"/>
+            <a:endParaRPr/>
           </a:p>
         </p:txBody>
       </p:sp>
@@ -28677,6 +28846,7 @@
           <a:lstStyle/>
           <a:p>
             <a:pPr algn="ctr"/>
+            <a:endParaRPr/>
           </a:p>
         </p:txBody>
       </p:sp>
@@ -28720,6 +28890,7 @@
           <a:lstStyle/>
           <a:p>
             <a:pPr algn="ctr"/>
+            <a:endParaRPr/>
           </a:p>
         </p:txBody>
       </p:sp>
@@ -28918,6 +29089,7 @@
           <a:lstStyle/>
           <a:p>
             <a:pPr algn="ctr"/>
+            <a:endParaRPr/>
           </a:p>
         </p:txBody>
       </p:sp>
@@ -28961,6 +29133,7 @@
           <a:lstStyle/>
           <a:p>
             <a:pPr algn="ctr"/>
+            <a:endParaRPr/>
           </a:p>
         </p:txBody>
       </p:sp>
@@ -29159,6 +29332,7 @@
           <a:lstStyle/>
           <a:p>
             <a:pPr algn="ctr"/>
+            <a:endParaRPr/>
           </a:p>
         </p:txBody>
       </p:sp>
@@ -29202,6 +29376,7 @@
           <a:lstStyle/>
           <a:p>
             <a:pPr algn="ctr"/>
+            <a:endParaRPr/>
           </a:p>
         </p:txBody>
       </p:sp>
@@ -29363,6 +29538,7 @@
           <a:lstStyle/>
           <a:p>
             <a:pPr algn="ctr"/>
+            <a:endParaRPr/>
           </a:p>
         </p:txBody>
       </p:sp>
@@ -29442,6 +29618,7 @@
           <a:lstStyle/>
           <a:p>
             <a:pPr algn="ctr"/>
+            <a:endParaRPr/>
           </a:p>
         </p:txBody>
       </p:sp>
@@ -29526,7 +29703,7 @@
 </file>
 
 <file path=ppt/slides/slide6.xml><?xml version="1.0" encoding="utf-8"?>
-<p:sld xmlns:a="http://schemas.openxmlformats.org/drawingml/2006/main" xmlns:p="http://schemas.openxmlformats.org/presentationml/2006/main" xmlns:r="http://schemas.openxmlformats.org/officeDocument/2006/relationships">
+<p:sld xmlns:a="http://schemas.openxmlformats.org/drawingml/2006/main" xmlns:r="http://schemas.openxmlformats.org/officeDocument/2006/relationships" xmlns:p="http://schemas.openxmlformats.org/presentationml/2006/main">
   <p:cSld>
     <p:bg>
       <p:bgPr>
@@ -29542,7 +29719,14 @@
         <p:cNvGrpSpPr/>
         <p:nvPr/>
       </p:nvGrpSpPr>
-      <p:grpSpPr/>
+      <p:grpSpPr>
+        <a:xfrm>
+          <a:off x="0" y="0"/>
+          <a:ext cx="0" cy="0"/>
+          <a:chOff x="0" y="0"/>
+          <a:chExt cx="0" cy="0"/>
+        </a:xfrm>
+      </p:grpSpPr>
       <p:sp>
         <p:nvSpPr>
           <p:cNvPr id="2" name="Rectangle 1"/>
@@ -29583,6 +29767,7 @@
           <a:lstStyle/>
           <a:p>
             <a:pPr algn="ctr"/>
+            <a:endParaRPr/>
           </a:p>
         </p:txBody>
       </p:sp>
@@ -29701,6 +29886,7 @@
           <a:lstStyle/>
           <a:p>
             <a:pPr algn="ctr"/>
+            <a:endParaRPr/>
           </a:p>
         </p:txBody>
       </p:sp>
@@ -29744,6 +29930,7 @@
           <a:lstStyle/>
           <a:p>
             <a:pPr algn="ctr"/>
+            <a:endParaRPr/>
           </a:p>
         </p:txBody>
       </p:sp>
@@ -29910,6 +30097,7 @@
           <a:lstStyle/>
           <a:p>
             <a:pPr algn="ctr"/>
+            <a:endParaRPr/>
           </a:p>
         </p:txBody>
       </p:sp>
@@ -30079,6 +30267,7 @@
           <a:lstStyle/>
           <a:p>
             <a:pPr algn="ctr"/>
+            <a:endParaRPr/>
           </a:p>
         </p:txBody>
       </p:sp>
@@ -30122,6 +30311,7 @@
           <a:lstStyle/>
           <a:p>
             <a:pPr algn="ctr"/>
+            <a:endParaRPr/>
           </a:p>
         </p:txBody>
       </p:sp>
@@ -30276,6 +30466,7 @@
           <a:lstStyle/>
           <a:p>
             <a:pPr algn="ctr"/>
+            <a:endParaRPr/>
           </a:p>
         </p:txBody>
       </p:sp>
@@ -30319,6 +30510,7 @@
           <a:lstStyle/>
           <a:p>
             <a:pPr algn="ctr"/>
+            <a:endParaRPr/>
           </a:p>
         </p:txBody>
       </p:sp>
@@ -30473,6 +30665,7 @@
           <a:lstStyle/>
           <a:p>
             <a:pPr algn="ctr"/>
+            <a:endParaRPr/>
           </a:p>
         </p:txBody>
       </p:sp>
@@ -30516,6 +30709,7 @@
           <a:lstStyle/>
           <a:p>
             <a:pPr algn="ctr"/>
+            <a:endParaRPr/>
           </a:p>
         </p:txBody>
       </p:sp>
@@ -30667,6 +30861,7 @@
           <a:lstStyle/>
           <a:p>
             <a:pPr algn="ctr"/>
+            <a:endParaRPr/>
           </a:p>
         </p:txBody>
       </p:sp>
@@ -30751,7 +30946,7 @@
 </file>
 
 <file path=ppt/slides/slide7.xml><?xml version="1.0" encoding="utf-8"?>
-<p:sld xmlns:a="http://schemas.openxmlformats.org/drawingml/2006/main" xmlns:p="http://schemas.openxmlformats.org/presentationml/2006/main" xmlns:r="http://schemas.openxmlformats.org/officeDocument/2006/relationships">
+<p:sld xmlns:a="http://schemas.openxmlformats.org/drawingml/2006/main" xmlns:r="http://schemas.openxmlformats.org/officeDocument/2006/relationships" xmlns:p="http://schemas.openxmlformats.org/presentationml/2006/main">
   <p:cSld>
     <p:bg>
       <p:bgPr>
@@ -30767,7 +30962,14 @@
         <p:cNvGrpSpPr/>
         <p:nvPr/>
       </p:nvGrpSpPr>
-      <p:grpSpPr/>
+      <p:grpSpPr>
+        <a:xfrm>
+          <a:off x="0" y="0"/>
+          <a:ext cx="0" cy="0"/>
+          <a:chOff x="0" y="0"/>
+          <a:chExt cx="0" cy="0"/>
+        </a:xfrm>
+      </p:grpSpPr>
       <p:sp>
         <p:nvSpPr>
           <p:cNvPr id="2" name="Rectangle 1"/>
@@ -30808,6 +31010,7 @@
           <a:lstStyle/>
           <a:p>
             <a:pPr algn="ctr"/>
+            <a:endParaRPr/>
           </a:p>
         </p:txBody>
       </p:sp>
@@ -30926,6 +31129,7 @@
           <a:lstStyle/>
           <a:p>
             <a:pPr algn="ctr"/>
+            <a:endParaRPr/>
           </a:p>
         </p:txBody>
       </p:sp>
@@ -30969,6 +31173,7 @@
           <a:lstStyle/>
           <a:p>
             <a:pPr algn="ctr"/>
+            <a:endParaRPr/>
           </a:p>
         </p:txBody>
       </p:sp>
@@ -31135,6 +31340,7 @@
           <a:lstStyle/>
           <a:p>
             <a:pPr algn="ctr"/>
+            <a:endParaRPr/>
           </a:p>
         </p:txBody>
       </p:sp>
@@ -31178,6 +31384,7 @@
           <a:lstStyle/>
           <a:p>
             <a:pPr algn="ctr"/>
+            <a:endParaRPr/>
           </a:p>
         </p:txBody>
       </p:sp>
@@ -31344,6 +31551,7 @@
           <a:lstStyle/>
           <a:p>
             <a:pPr algn="ctr"/>
+            <a:endParaRPr/>
           </a:p>
         </p:txBody>
       </p:sp>
@@ -31387,6 +31595,7 @@
           <a:lstStyle/>
           <a:p>
             <a:pPr algn="ctr"/>
+            <a:endParaRPr/>
           </a:p>
         </p:txBody>
       </p:sp>
@@ -31553,6 +31762,7 @@
           <a:lstStyle/>
           <a:p>
             <a:pPr algn="ctr"/>
+            <a:endParaRPr/>
           </a:p>
         </p:txBody>
       </p:sp>
@@ -31596,6 +31806,7 @@
           <a:lstStyle/>
           <a:p>
             <a:pPr algn="ctr"/>
+            <a:endParaRPr/>
           </a:p>
         </p:txBody>
       </p:sp>
@@ -31761,6 +31972,7 @@
           <a:lstStyle/>
           <a:p>
             <a:pPr algn="ctr"/>
+            <a:endParaRPr/>
           </a:p>
         </p:txBody>
       </p:sp>
@@ -31840,6 +32052,7 @@
           <a:lstStyle/>
           <a:p>
             <a:pPr algn="ctr"/>
+            <a:endParaRPr/>
           </a:p>
         </p:txBody>
       </p:sp>
@@ -31924,7 +32137,7 @@
 </file>
 
 <file path=ppt/slides/slide8.xml><?xml version="1.0" encoding="utf-8"?>
-<p:sld xmlns:a="http://schemas.openxmlformats.org/drawingml/2006/main" xmlns:p="http://schemas.openxmlformats.org/presentationml/2006/main" xmlns:r="http://schemas.openxmlformats.org/officeDocument/2006/relationships">
+<p:sld xmlns:a="http://schemas.openxmlformats.org/drawingml/2006/main" xmlns:r="http://schemas.openxmlformats.org/officeDocument/2006/relationships" xmlns:p="http://schemas.openxmlformats.org/presentationml/2006/main">
   <p:cSld>
     <p:bg>
       <p:bgPr>
@@ -31940,7 +32153,14 @@
         <p:cNvGrpSpPr/>
         <p:nvPr/>
       </p:nvGrpSpPr>
-      <p:grpSpPr/>
+      <p:grpSpPr>
+        <a:xfrm>
+          <a:off x="0" y="0"/>
+          <a:ext cx="0" cy="0"/>
+          <a:chOff x="0" y="0"/>
+          <a:chExt cx="0" cy="0"/>
+        </a:xfrm>
+      </p:grpSpPr>
       <p:sp>
         <p:nvSpPr>
           <p:cNvPr id="2" name="Rectangle 1"/>
@@ -31981,6 +32201,7 @@
           <a:lstStyle/>
           <a:p>
             <a:pPr algn="ctr"/>
+            <a:endParaRPr/>
           </a:p>
         </p:txBody>
       </p:sp>
@@ -32099,6 +32320,7 @@
           <a:lstStyle/>
           <a:p>
             <a:pPr algn="ctr"/>
+            <a:endParaRPr/>
           </a:p>
         </p:txBody>
       </p:sp>
@@ -32142,6 +32364,7 @@
           <a:lstStyle/>
           <a:p>
             <a:pPr algn="ctr"/>
+            <a:endParaRPr/>
           </a:p>
         </p:txBody>
       </p:sp>
@@ -32311,6 +32534,7 @@
           <a:lstStyle/>
           <a:p>
             <a:pPr algn="ctr"/>
+            <a:endParaRPr/>
           </a:p>
         </p:txBody>
       </p:sp>
@@ -32354,6 +32578,7 @@
           <a:lstStyle/>
           <a:p>
             <a:pPr algn="ctr"/>
+            <a:endParaRPr/>
           </a:p>
         </p:txBody>
       </p:sp>
@@ -32523,6 +32748,7 @@
           <a:lstStyle/>
           <a:p>
             <a:pPr algn="ctr"/>
+            <a:endParaRPr/>
           </a:p>
         </p:txBody>
       </p:sp>
@@ -32566,6 +32792,7 @@
           <a:lstStyle/>
           <a:p>
             <a:pPr algn="ctr"/>
+            <a:endParaRPr/>
           </a:p>
         </p:txBody>
       </p:sp>
@@ -32735,6 +32962,7 @@
           <a:lstStyle/>
           <a:p>
             <a:pPr algn="ctr"/>
+            <a:endParaRPr/>
           </a:p>
         </p:txBody>
       </p:sp>
@@ -32778,6 +33006,7 @@
           <a:lstStyle/>
           <a:p>
             <a:pPr algn="ctr"/>
+            <a:endParaRPr/>
           </a:p>
         </p:txBody>
       </p:sp>
@@ -32944,6 +33173,7 @@
           <a:lstStyle/>
           <a:p>
             <a:pPr algn="ctr"/>
+            <a:endParaRPr/>
           </a:p>
         </p:txBody>
       </p:sp>
@@ -33028,7 +33258,7 @@
 </file>
 
 <file path=ppt/slides/slide9.xml><?xml version="1.0" encoding="utf-8"?>
-<p:sld xmlns:a="http://schemas.openxmlformats.org/drawingml/2006/main" xmlns:p="http://schemas.openxmlformats.org/presentationml/2006/main" xmlns:r="http://schemas.openxmlformats.org/officeDocument/2006/relationships">
+<p:sld xmlns:a="http://schemas.openxmlformats.org/drawingml/2006/main" xmlns:r="http://schemas.openxmlformats.org/officeDocument/2006/relationships" xmlns:p="http://schemas.openxmlformats.org/presentationml/2006/main">
   <p:cSld>
     <p:bg>
       <p:bgPr>
@@ -33044,7 +33274,14 @@
         <p:cNvGrpSpPr/>
         <p:nvPr/>
       </p:nvGrpSpPr>
-      <p:grpSpPr/>
+      <p:grpSpPr>
+        <a:xfrm>
+          <a:off x="0" y="0"/>
+          <a:ext cx="0" cy="0"/>
+          <a:chOff x="0" y="0"/>
+          <a:chExt cx="0" cy="0"/>
+        </a:xfrm>
+      </p:grpSpPr>
       <p:sp>
         <p:nvSpPr>
           <p:cNvPr id="2" name="Rectangle 1"/>
@@ -33085,6 +33322,7 @@
           <a:lstStyle/>
           <a:p>
             <a:pPr algn="ctr"/>
+            <a:endParaRPr/>
           </a:p>
         </p:txBody>
       </p:sp>
@@ -33535,44 +33773,44 @@
         <a:sysClr val="window" lastClr="FFFFFF"/>
       </a:lt1>
       <a:dk2>
-        <a:srgbClr val="1F497D"/>
+        <a:srgbClr val="0E2841"/>
       </a:dk2>
       <a:lt2>
-        <a:srgbClr val="EEECE1"/>
+        <a:srgbClr val="E8E8E8"/>
       </a:lt2>
       <a:accent1>
-        <a:srgbClr val="4F81BD"/>
+        <a:srgbClr val="156082"/>
       </a:accent1>
       <a:accent2>
-        <a:srgbClr val="C0504D"/>
+        <a:srgbClr val="E97132"/>
       </a:accent2>
       <a:accent3>
-        <a:srgbClr val="9BBB59"/>
+        <a:srgbClr val="196B24"/>
       </a:accent3>
       <a:accent4>
-        <a:srgbClr val="8064A2"/>
+        <a:srgbClr val="0F9ED5"/>
       </a:accent4>
       <a:accent5>
-        <a:srgbClr val="4BACC6"/>
+        <a:srgbClr val="A02B93"/>
       </a:accent5>
       <a:accent6>
-        <a:srgbClr val="F79646"/>
+        <a:srgbClr val="4EA72E"/>
       </a:accent6>
       <a:hlink>
-        <a:srgbClr val="0000FF"/>
+        <a:srgbClr val="467886"/>
       </a:hlink>
       <a:folHlink>
-        <a:srgbClr val="800080"/>
+        <a:srgbClr val="96607D"/>
       </a:folHlink>
     </a:clrScheme>
     <a:fontScheme name="Office">
       <a:majorFont>
-        <a:latin typeface="Calibri"/>
+        <a:latin typeface="Aptos Display" panose="02110004020202020204"/>
         <a:ea typeface=""/>
         <a:cs typeface=""/>
-        <a:font script="Jpan" typeface="ＭＳ Ｐゴシック"/>
+        <a:font script="Jpan" typeface="游ゴシック Light"/>
         <a:font script="Hang" typeface="맑은 고딕"/>
-        <a:font script="Hans" typeface="宋体"/>
+        <a:font script="Hans" typeface="等线 Light"/>
         <a:font script="Hant" typeface="新細明體"/>
         <a:font script="Arab" typeface="Times New Roman"/>
         <a:font script="Hebr" typeface="Times New Roman"/>
@@ -33600,14 +33838,31 @@
         <a:font script="Viet" typeface="Times New Roman"/>
         <a:font script="Uigh" typeface="Microsoft Uighur"/>
         <a:font script="Geor" typeface="Sylfaen"/>
+        <a:font script="Armn" typeface="Arial"/>
+        <a:font script="Bugi" typeface="Leelawadee UI"/>
+        <a:font script="Bopo" typeface="Microsoft JhengHei"/>
+        <a:font script="Java" typeface="Javanese Text"/>
+        <a:font script="Lisu" typeface="Segoe UI"/>
+        <a:font script="Mymr" typeface="Myanmar Text"/>
+        <a:font script="Nkoo" typeface="Ebrima"/>
+        <a:font script="Olck" typeface="Nirmala UI"/>
+        <a:font script="Osma" typeface="Ebrima"/>
+        <a:font script="Phag" typeface="Phagspa"/>
+        <a:font script="Syrn" typeface="Estrangelo Edessa"/>
+        <a:font script="Syrj" typeface="Estrangelo Edessa"/>
+        <a:font script="Syre" typeface="Estrangelo Edessa"/>
+        <a:font script="Sora" typeface="Nirmala UI"/>
+        <a:font script="Tale" typeface="Microsoft Tai Le"/>
+        <a:font script="Talu" typeface="Microsoft New Tai Lue"/>
+        <a:font script="Tfng" typeface="Ebrima"/>
       </a:majorFont>
       <a:minorFont>
-        <a:latin typeface="Calibri"/>
+        <a:latin typeface="Aptos" panose="02110004020202020204"/>
         <a:ea typeface=""/>
         <a:cs typeface=""/>
-        <a:font script="Jpan" typeface="ＭＳ Ｐゴシック"/>
+        <a:font script="Jpan" typeface="游ゴシック"/>
         <a:font script="Hang" typeface="맑은 고딕"/>
-        <a:font script="Hans" typeface="宋体"/>
+        <a:font script="Hans" typeface="等线"/>
         <a:font script="Hant" typeface="新細明體"/>
         <a:font script="Arab" typeface="Arial"/>
         <a:font script="Hebr" typeface="Arial"/>
@@ -33635,6 +33890,23 @@
         <a:font script="Viet" typeface="Arial"/>
         <a:font script="Uigh" typeface="Microsoft Uighur"/>
         <a:font script="Geor" typeface="Sylfaen"/>
+        <a:font script="Armn" typeface="Arial"/>
+        <a:font script="Bugi" typeface="Leelawadee UI"/>
+        <a:font script="Bopo" typeface="Microsoft JhengHei"/>
+        <a:font script="Java" typeface="Javanese Text"/>
+        <a:font script="Lisu" typeface="Segoe UI"/>
+        <a:font script="Mymr" typeface="Myanmar Text"/>
+        <a:font script="Nkoo" typeface="Ebrima"/>
+        <a:font script="Olck" typeface="Nirmala UI"/>
+        <a:font script="Osma" typeface="Ebrima"/>
+        <a:font script="Phag" typeface="Phagspa"/>
+        <a:font script="Syrn" typeface="Estrangelo Edessa"/>
+        <a:font script="Syrj" typeface="Estrangelo Edessa"/>
+        <a:font script="Syre" typeface="Estrangelo Edessa"/>
+        <a:font script="Sora" typeface="Nirmala UI"/>
+        <a:font script="Tale" typeface="Microsoft Tai Le"/>
+        <a:font script="Talu" typeface="Microsoft New Tai Lue"/>
+        <a:font script="Tfng" typeface="Ebrima"/>
       </a:minorFont>
     </a:fontScheme>
     <a:fmtScheme name="Office">
@@ -33646,180 +33918,136 @@
           <a:gsLst>
             <a:gs pos="0">
               <a:schemeClr val="phClr">
-                <a:tint val="50000"/>
-                <a:satMod val="300000"/>
+                <a:lumMod val="110000"/>
+                <a:satMod val="105000"/>
+                <a:tint val="67000"/>
               </a:schemeClr>
             </a:gs>
-            <a:gs pos="35000">
+            <a:gs pos="50000">
               <a:schemeClr val="phClr">
-                <a:tint val="37000"/>
-                <a:satMod val="300000"/>
+                <a:lumMod val="105000"/>
+                <a:satMod val="103000"/>
+                <a:tint val="73000"/>
               </a:schemeClr>
             </a:gs>
             <a:gs pos="100000">
               <a:schemeClr val="phClr">
-                <a:tint val="15000"/>
-                <a:satMod val="350000"/>
+                <a:lumMod val="105000"/>
+                <a:satMod val="109000"/>
+                <a:tint val="81000"/>
               </a:schemeClr>
             </a:gs>
           </a:gsLst>
-          <a:lin ang="16200000" scaled="1"/>
+          <a:lin ang="5400000" scaled="0"/>
         </a:gradFill>
         <a:gradFill rotWithShape="1">
           <a:gsLst>
             <a:gs pos="0">
               <a:schemeClr val="phClr">
-                <a:tint val="100000"/>
+                <a:satMod val="103000"/>
+                <a:lumMod val="102000"/>
+                <a:tint val="94000"/>
+              </a:schemeClr>
+            </a:gs>
+            <a:gs pos="50000">
+              <a:schemeClr val="phClr">
+                <a:satMod val="110000"/>
+                <a:lumMod val="100000"/>
                 <a:shade val="100000"/>
-                <a:satMod val="130000"/>
               </a:schemeClr>
             </a:gs>
             <a:gs pos="100000">
               <a:schemeClr val="phClr">
-                <a:tint val="50000"/>
-                <a:shade val="100000"/>
-                <a:satMod val="350000"/>
+                <a:lumMod val="99000"/>
+                <a:satMod val="120000"/>
+                <a:shade val="78000"/>
               </a:schemeClr>
             </a:gs>
           </a:gsLst>
-          <a:lin ang="16200000" scaled="0"/>
+          <a:lin ang="5400000" scaled="0"/>
         </a:gradFill>
       </a:fillStyleLst>
       <a:lnStyleLst>
-        <a:ln w="9525" cap="flat" cmpd="sng" algn="ctr">
+        <a:ln w="12700" cap="flat" cmpd="sng" algn="ctr">
           <a:solidFill>
-            <a:schemeClr val="phClr">
-              <a:shade val="95000"/>
-              <a:satMod val="105000"/>
-            </a:schemeClr>
+            <a:schemeClr val="phClr"/>
           </a:solidFill>
           <a:prstDash val="solid"/>
+          <a:miter lim="800000"/>
+        </a:ln>
+        <a:ln w="19050" cap="flat" cmpd="sng" algn="ctr">
+          <a:solidFill>
+            <a:schemeClr val="phClr"/>
+          </a:solidFill>
+          <a:prstDash val="solid"/>
+          <a:miter lim="800000"/>
         </a:ln>
         <a:ln w="25400" cap="flat" cmpd="sng" algn="ctr">
           <a:solidFill>
             <a:schemeClr val="phClr"/>
           </a:solidFill>
           <a:prstDash val="solid"/>
-        </a:ln>
-        <a:ln w="38100" cap="flat" cmpd="sng" algn="ctr">
-          <a:solidFill>
-            <a:schemeClr val="phClr"/>
-          </a:solidFill>
-          <a:prstDash val="solid"/>
+          <a:miter lim="800000"/>
         </a:ln>
       </a:lnStyleLst>
       <a:effectStyleLst>
         <a:effectStyle>
+          <a:effectLst/>
+        </a:effectStyle>
+        <a:effectStyle>
+          <a:effectLst/>
+        </a:effectStyle>
+        <a:effectStyle>
           <a:effectLst>
-            <a:outerShdw blurRad="40000" dist="20000" dir="5400000" rotWithShape="0">
+            <a:outerShdw blurRad="57150" dist="19050" dir="5400000" algn="ctr" rotWithShape="0">
               <a:srgbClr val="000000">
-                <a:alpha val="38000"/>
+                <a:alpha val="63000"/>
               </a:srgbClr>
             </a:outerShdw>
           </a:effectLst>
-        </a:effectStyle>
-        <a:effectStyle>
-          <a:effectLst>
-            <a:outerShdw blurRad="40000" dist="23000" dir="5400000" rotWithShape="0">
-              <a:srgbClr val="000000">
-                <a:alpha val="35000"/>
-              </a:srgbClr>
-            </a:outerShdw>
-          </a:effectLst>
-        </a:effectStyle>
-        <a:effectStyle>
-          <a:effectLst>
-            <a:outerShdw blurRad="40000" dist="23000" dir="5400000" rotWithShape="0">
-              <a:srgbClr val="000000">
-                <a:alpha val="35000"/>
-              </a:srgbClr>
-            </a:outerShdw>
-          </a:effectLst>
-          <a:scene3d>
-            <a:camera prst="orthographicFront">
-              <a:rot lat="0" lon="0" rev="0"/>
-            </a:camera>
-            <a:lightRig rig="threePt" dir="t">
-              <a:rot lat="0" lon="0" rev="1200000"/>
-            </a:lightRig>
-          </a:scene3d>
-          <a:sp3d>
-            <a:bevelT w="63500" h="25400"/>
-          </a:sp3d>
         </a:effectStyle>
       </a:effectStyleLst>
       <a:bgFillStyleLst>
         <a:solidFill>
           <a:schemeClr val="phClr"/>
         </a:solidFill>
+        <a:solidFill>
+          <a:schemeClr val="phClr">
+            <a:tint val="95000"/>
+            <a:satMod val="170000"/>
+          </a:schemeClr>
+        </a:solidFill>
         <a:gradFill rotWithShape="1">
           <a:gsLst>
             <a:gs pos="0">
               <a:schemeClr val="phClr">
-                <a:tint val="40000"/>
-                <a:satMod val="350000"/>
+                <a:tint val="93000"/>
+                <a:satMod val="150000"/>
+                <a:shade val="98000"/>
+                <a:lumMod val="102000"/>
               </a:schemeClr>
             </a:gs>
-            <a:gs pos="40000">
+            <a:gs pos="50000">
               <a:schemeClr val="phClr">
-                <a:tint val="45000"/>
-                <a:shade val="99000"/>
-                <a:satMod val="350000"/>
+                <a:tint val="98000"/>
+                <a:satMod val="130000"/>
+                <a:shade val="90000"/>
+                <a:lumMod val="103000"/>
               </a:schemeClr>
             </a:gs>
             <a:gs pos="100000">
               <a:schemeClr val="phClr">
-                <a:shade val="20000"/>
-                <a:satMod val="255000"/>
+                <a:shade val="63000"/>
+                <a:satMod val="120000"/>
               </a:schemeClr>
             </a:gs>
           </a:gsLst>
-          <a:path path="circle">
-            <a:fillToRect l="50000" t="-80000" r="50000" b="180000"/>
-          </a:path>
-        </a:gradFill>
-        <a:gradFill rotWithShape="1">
-          <a:gsLst>
-            <a:gs pos="0">
-              <a:schemeClr val="phClr">
-                <a:tint val="80000"/>
-                <a:satMod val="300000"/>
-              </a:schemeClr>
-            </a:gs>
-            <a:gs pos="100000">
-              <a:schemeClr val="phClr">
-                <a:shade val="30000"/>
-                <a:satMod val="200000"/>
-              </a:schemeClr>
-            </a:gs>
-          </a:gsLst>
-          <a:path path="circle">
-            <a:fillToRect l="50000" t="50000" r="50000" b="50000"/>
-          </a:path>
+          <a:lin ang="5400000" scaled="0"/>
         </a:gradFill>
       </a:bgFillStyleLst>
     </a:fmtScheme>
   </a:themeElements>
   <a:objectDefaults>
-    <a:spDef>
-      <a:spPr/>
-      <a:bodyPr/>
-      <a:lstStyle/>
-      <a:style>
-        <a:lnRef idx="1">
-          <a:schemeClr val="accent1"/>
-        </a:lnRef>
-        <a:fillRef idx="3">
-          <a:schemeClr val="accent1"/>
-        </a:fillRef>
-        <a:effectRef idx="2">
-          <a:schemeClr val="accent1"/>
-        </a:effectRef>
-        <a:fontRef idx="minor">
-          <a:schemeClr val="lt1"/>
-        </a:fontRef>
-      </a:style>
-    </a:spDef>
     <a:lnDef>
       <a:spPr/>
       <a:bodyPr/>
@@ -33841,5 +34069,10 @@
     </a:lnDef>
   </a:objectDefaults>
   <a:extraClrSchemeLst/>
+  <a:extLst>
+    <a:ext uri="{05A4C25C-085E-4340-85A3-A5531E510DB2}">
+      <thm15:themeFamily xmlns:thm15="http://schemas.microsoft.com/office/thememl/2012/main" name="Office Theme" id="{2E142A2C-CD16-42D6-873A-C26D2A0506FA}" vid="{1BDDFF52-6CD6-40A5-AB3C-68EB2F1E4D0A}"/>
+    </a:ext>
+  </a:extLst>
 </a:theme>
 </file>